--- a/2022.02.23_인터페이스 개발 프로젝트 계획서(5조).pptx
+++ b/2022.02.23_인터페이스 개발 프로젝트 계획서(5조).pptx
@@ -6,10 +6,10 @@
     <p:sldMasterId id="2147484848" r:id="rId2"/>
   </p:sldMasterIdLst>
   <p:notesMasterIdLst>
-    <p:notesMasterId r:id="rId14"/>
+    <p:notesMasterId r:id="rId16"/>
   </p:notesMasterIdLst>
   <p:handoutMasterIdLst>
-    <p:handoutMasterId r:id="rId15"/>
+    <p:handoutMasterId r:id="rId17"/>
   </p:handoutMasterIdLst>
   <p:sldIdLst>
     <p:sldId id="257" r:id="rId3"/>
@@ -19,10 +19,12 @@
     <p:sldId id="961" r:id="rId7"/>
     <p:sldId id="970" r:id="rId8"/>
     <p:sldId id="954" r:id="rId9"/>
-    <p:sldId id="971" r:id="rId10"/>
-    <p:sldId id="972" r:id="rId11"/>
-    <p:sldId id="973" r:id="rId12"/>
-    <p:sldId id="924" r:id="rId13"/>
+    <p:sldId id="974" r:id="rId10"/>
+    <p:sldId id="971" r:id="rId11"/>
+    <p:sldId id="975" r:id="rId12"/>
+    <p:sldId id="972" r:id="rId13"/>
+    <p:sldId id="973" r:id="rId14"/>
+    <p:sldId id="924" r:id="rId15"/>
   </p:sldIdLst>
   <p:sldSz cx="9906000" cy="6858000" type="A4"/>
   <p:notesSz cx="6797675" cy="9926638"/>
@@ -153,7 +155,7 @@
   </p:defaultTextStyle>
   <p:extLst>
     <p:ext uri="{EFAFB233-063F-42B5-8137-9DF3F51BA10A}">
-      <p15:sldGuideLst xmlns:p15="http://schemas.microsoft.com/office/powerpoint/2012/main">
+      <p15:sldGuideLst xmlns:p15="http://schemas.microsoft.com/office/powerpoint/2012/main" xmlns="">
         <p15:guide id="1" orient="horz" pos="4144">
           <p15:clr>
             <a:srgbClr val="A4A3A4"/>
@@ -207,7 +209,7 @@
       </p15:sldGuideLst>
     </p:ext>
     <p:ext uri="{2D200454-40CA-4A62-9FC3-DE9A4176ACB9}">
-      <p15:notesGuideLst xmlns:p15="http://schemas.microsoft.com/office/powerpoint/2012/main">
+      <p15:notesGuideLst xmlns:p15="http://schemas.microsoft.com/office/powerpoint/2012/main" xmlns="">
         <p15:guide id="1" orient="horz" pos="3126" userDrawn="1">
           <p15:clr>
             <a:srgbClr val="A4A3A4"/>
@@ -957,7 +959,7 @@
           <a:graphicData uri="http://schemas.openxmlformats.org/presentationml/2006/ole">
             <mc:AlternateContent xmlns:mc="http://schemas.openxmlformats.org/markup-compatibility/2006">
               <mc:Choice xmlns:v="urn:schemas-microsoft-com:vml" Requires="v">
-                <p:oleObj spid="_x0000_s48554" name="Image" r:id="rId3" imgW="5663492" imgH="3326984" progId="">
+                <p:oleObj spid="_x0000_s48557" name="Image" r:id="rId3" imgW="5663492" imgH="3326984" progId="">
                   <p:embed/>
                 </p:oleObj>
               </mc:Choice>
@@ -1511,7 +1513,7 @@
           <a:graphicData uri="http://schemas.openxmlformats.org/presentationml/2006/ole">
             <mc:AlternateContent xmlns:mc="http://schemas.openxmlformats.org/markup-compatibility/2006">
               <mc:Choice xmlns:v="urn:schemas-microsoft-com:vml" Requires="v">
-                <p:oleObj spid="_x0000_s98724" name="Image" r:id="rId3" imgW="5663492" imgH="3326984" progId="">
+                <p:oleObj spid="_x0000_s98727" name="Image" r:id="rId3" imgW="5663492" imgH="3326984" progId="">
                   <p:embed/>
                 </p:oleObj>
               </mc:Choice>
@@ -6813,10 +6815,507 @@
   <p:clrMapOvr>
     <a:masterClrMapping/>
   </p:clrMapOvr>
+  <p:timing>
+    <p:tnLst>
+      <p:par>
+        <p:cTn id="1" dur="indefinite" restart="never" nodeType="tmRoot"/>
+      </p:par>
+    </p:tnLst>
+  </p:timing>
 </p:sld>
 </file>
 
 <file path=ppt/slides/slide10.xml><?xml version="1.0" encoding="utf-8"?>
+<p:sld xmlns:a="http://schemas.openxmlformats.org/drawingml/2006/main" xmlns:r="http://schemas.openxmlformats.org/officeDocument/2006/relationships" xmlns:p="http://schemas.openxmlformats.org/presentationml/2006/main">
+  <p:cSld>
+    <p:spTree>
+      <p:nvGrpSpPr>
+        <p:cNvPr id="1" name=""/>
+        <p:cNvGrpSpPr/>
+        <p:nvPr/>
+      </p:nvGrpSpPr>
+      <p:grpSpPr>
+        <a:xfrm>
+          <a:off x="0" y="0"/>
+          <a:ext cx="0" cy="0"/>
+          <a:chOff x="0" y="0"/>
+          <a:chExt cx="0" cy="0"/>
+        </a:xfrm>
+      </p:grpSpPr>
+      <p:sp>
+        <p:nvSpPr>
+          <p:cNvPr id="4" name="Rectangle 2">
+            <a:extLst>
+              <a:ext uri="{FF2B5EF4-FFF2-40B4-BE49-F238E27FC236}">
+                <a16:creationId xmlns:a16="http://schemas.microsoft.com/office/drawing/2014/main" xmlns="" id="{74F59D4A-A616-4EBC-B706-1FBAF206CD63}"/>
+              </a:ext>
+            </a:extLst>
+          </p:cNvPr>
+          <p:cNvSpPr>
+            <a:spLocks noChangeArrowheads="1"/>
+          </p:cNvSpPr>
+          <p:nvPr/>
+        </p:nvSpPr>
+        <p:spPr bwMode="auto">
+          <a:xfrm>
+            <a:off x="587374" y="53975"/>
+            <a:ext cx="4995696" cy="404813"/>
+          </a:xfrm>
+          <a:prstGeom prst="rect">
+            <a:avLst/>
+          </a:prstGeom>
+          <a:noFill/>
+          <a:ln w="9525">
+            <a:noFill/>
+            <a:miter lim="800000"/>
+            <a:headEnd/>
+            <a:tailEnd/>
+          </a:ln>
+        </p:spPr>
+        <p:txBody>
+          <a:bodyPr anchor="ctr"/>
+          <a:lstStyle/>
+          <a:p>
+            <a:pPr algn="l"/>
+            <a:r>
+              <a:rPr lang="ko-KR" altLang="en-US" sz="1800" b="0" dirty="0">
+                <a:solidFill>
+                  <a:srgbClr val="000000"/>
+                </a:solidFill>
+                <a:latin typeface="HY헤드라인M" pitchFamily="18" charset="-127"/>
+                <a:ea typeface="HY헤드라인M" pitchFamily="18" charset="-127"/>
+              </a:rPr>
+              <a:t>웹 페이지 구상</a:t>
+            </a:r>
+            <a:endParaRPr lang="ko-KR" altLang="en-US" sz="1800" dirty="0">
+              <a:solidFill>
+                <a:srgbClr val="000000"/>
+              </a:solidFill>
+              <a:latin typeface="HY헤드라인M" pitchFamily="18" charset="-127"/>
+              <a:ea typeface="HY헤드라인M" pitchFamily="18" charset="-127"/>
+            </a:endParaRPr>
+          </a:p>
+        </p:txBody>
+      </p:sp>
+      <p:pic>
+        <p:nvPicPr>
+          <p:cNvPr id="100355" name="Picture 3"/>
+          <p:cNvPicPr>
+            <a:picLocks noChangeAspect="1" noChangeArrowheads="1"/>
+          </p:cNvPicPr>
+          <p:nvPr/>
+        </p:nvPicPr>
+        <p:blipFill>
+          <a:blip r:embed="rId2">
+            <a:extLst>
+              <a:ext uri="{BEBA8EAE-BF5A-486C-A8C5-ECC9F3942E4B}">
+                <a14:imgProps xmlns:a14="http://schemas.microsoft.com/office/drawing/2010/main">
+                  <a14:imgLayer r:embed="rId3">
+                    <a14:imgEffect>
+                      <a14:sharpenSoften amount="-15000"/>
+                    </a14:imgEffect>
+                  </a14:imgLayer>
+                </a14:imgProps>
+              </a:ext>
+              <a:ext uri="{28A0092B-C50C-407E-A947-70E740481C1C}">
+                <a14:useLocalDpi xmlns:a14="http://schemas.microsoft.com/office/drawing/2010/main" val="0"/>
+              </a:ext>
+            </a:extLst>
+          </a:blip>
+          <a:srcRect/>
+          <a:stretch>
+            <a:fillRect/>
+          </a:stretch>
+        </p:blipFill>
+        <p:spPr bwMode="auto">
+          <a:xfrm>
+            <a:off x="1209809" y="1133745"/>
+            <a:ext cx="7486381" cy="4680520"/>
+          </a:xfrm>
+          <a:prstGeom prst="rect">
+            <a:avLst/>
+          </a:prstGeom>
+          <a:noFill/>
+          <a:ln>
+            <a:noFill/>
+          </a:ln>
+          <a:effectLst/>
+          <a:extLst>
+            <a:ext uri="{909E8E84-426E-40DD-AFC4-6F175D3DCCD1}">
+              <a14:hiddenFill xmlns:a14="http://schemas.microsoft.com/office/drawing/2010/main">
+                <a:solidFill>
+                  <a:schemeClr val="accent1"/>
+                </a:solidFill>
+              </a14:hiddenFill>
+            </a:ext>
+            <a:ext uri="{91240B29-F687-4F45-9708-019B960494DF}">
+              <a14:hiddenLine xmlns:a14="http://schemas.microsoft.com/office/drawing/2010/main" w="9525">
+                <a:solidFill>
+                  <a:schemeClr val="tx1"/>
+                </a:solidFill>
+                <a:miter lim="800000"/>
+                <a:headEnd/>
+                <a:tailEnd/>
+              </a14:hiddenLine>
+            </a:ext>
+            <a:ext uri="{AF507438-7753-43E0-B8FC-AC1667EBCBE1}">
+              <a14:hiddenEffects xmlns:a14="http://schemas.microsoft.com/office/drawing/2010/main">
+                <a:effectLst>
+                  <a:outerShdw dist="35921" dir="2700000" algn="ctr" rotWithShape="0">
+                    <a:schemeClr val="bg2"/>
+                  </a:outerShdw>
+                </a:effectLst>
+              </a14:hiddenEffects>
+            </a:ext>
+          </a:extLst>
+        </p:spPr>
+      </p:pic>
+      <p:sp>
+        <p:nvSpPr>
+          <p:cNvPr id="29" name="직사각형 28"/>
+          <p:cNvSpPr/>
+          <p:nvPr/>
+        </p:nvSpPr>
+        <p:spPr bwMode="auto">
+          <a:xfrm>
+            <a:off x="2972780" y="2843935"/>
+            <a:ext cx="3780420" cy="675075"/>
+          </a:xfrm>
+          <a:prstGeom prst="rect">
+            <a:avLst/>
+          </a:prstGeom>
+          <a:solidFill>
+            <a:schemeClr val="accent2">
+              <a:lumMod val="40000"/>
+              <a:lumOff val="60000"/>
+            </a:schemeClr>
+          </a:solidFill>
+          <a:ln w="6350" cap="flat" cmpd="sng" algn="ctr">
+            <a:noFill/>
+            <a:prstDash val="solid"/>
+            <a:round/>
+            <a:headEnd type="none" w="med" len="med"/>
+            <a:tailEnd type="none" w="med" len="med"/>
+          </a:ln>
+          <a:effectLst/>
+          <a:scene3d>
+            <a:camera prst="orthographicFront">
+              <a:rot lat="0" lon="0" rev="2400000"/>
+            </a:camera>
+            <a:lightRig rig="threePt" dir="t"/>
+          </a:scene3d>
+        </p:spPr>
+        <p:txBody>
+          <a:bodyPr vert="horz" wrap="none" lIns="91440" tIns="45720" rIns="91440" bIns="45720" numCol="1" rtlCol="0" anchor="ctr" anchorCtr="0" compatLnSpc="1">
+            <a:prstTxWarp prst="textNoShape">
+              <a:avLst/>
+            </a:prstTxWarp>
+          </a:bodyPr>
+          <a:lstStyle/>
+          <a:p>
+            <a:pPr marL="0" marR="0" indent="0" algn="ctr" defTabSz="914400" rtl="0" eaLnBrk="1" fontAlgn="base" latinLnBrk="1" hangingPunct="1">
+              <a:lnSpc>
+                <a:spcPct val="100000"/>
+              </a:lnSpc>
+              <a:spcBef>
+                <a:spcPct val="0"/>
+              </a:spcBef>
+              <a:spcAft>
+                <a:spcPct val="0"/>
+              </a:spcAft>
+              <a:buClrTx/>
+              <a:buSzTx/>
+              <a:buFontTx/>
+              <a:buNone/>
+              <a:tabLst/>
+            </a:pPr>
+            <a:r>
+              <a:rPr lang="en-US" altLang="ko-KR" dirty="0" smtClean="0">
+                <a:solidFill>
+                  <a:schemeClr val="bg1"/>
+                </a:solidFill>
+              </a:rPr>
+              <a:t>SAMPLE</a:t>
+            </a:r>
+            <a:endParaRPr kumimoji="1" lang="ko-KR" altLang="en-US" sz="1200" b="1" i="0" u="none" strike="noStrike" cap="none" normalizeH="0" baseline="0" dirty="0" smtClean="0">
+              <a:ln>
+                <a:noFill/>
+              </a:ln>
+              <a:solidFill>
+                <a:schemeClr val="bg1"/>
+              </a:solidFill>
+              <a:effectLst/>
+            </a:endParaRPr>
+          </a:p>
+        </p:txBody>
+      </p:sp>
+    </p:spTree>
+    <p:extLst>
+      <p:ext uri="{BB962C8B-B14F-4D97-AF65-F5344CB8AC3E}">
+        <p14:creationId xmlns:p14="http://schemas.microsoft.com/office/powerpoint/2010/main" val="1868279952"/>
+      </p:ext>
+    </p:extLst>
+  </p:cSld>
+  <p:clrMapOvr>
+    <a:masterClrMapping/>
+  </p:clrMapOvr>
+  <p:timing>
+    <p:tnLst>
+      <p:par>
+        <p:cTn id="1" dur="indefinite" restart="never" nodeType="tmRoot"/>
+      </p:par>
+    </p:tnLst>
+  </p:timing>
+</p:sld>
+</file>
+
+<file path=ppt/slides/slide11.xml><?xml version="1.0" encoding="utf-8"?>
+<p:sld xmlns:a="http://schemas.openxmlformats.org/drawingml/2006/main" xmlns:r="http://schemas.openxmlformats.org/officeDocument/2006/relationships" xmlns:p="http://schemas.openxmlformats.org/presentationml/2006/main">
+  <p:cSld>
+    <p:spTree>
+      <p:nvGrpSpPr>
+        <p:cNvPr id="1" name=""/>
+        <p:cNvGrpSpPr/>
+        <p:nvPr/>
+      </p:nvGrpSpPr>
+      <p:grpSpPr>
+        <a:xfrm>
+          <a:off x="0" y="0"/>
+          <a:ext cx="0" cy="0"/>
+          <a:chOff x="0" y="0"/>
+          <a:chExt cx="0" cy="0"/>
+        </a:xfrm>
+      </p:grpSpPr>
+      <p:sp>
+        <p:nvSpPr>
+          <p:cNvPr id="3" name="AutoShape 46"/>
+          <p:cNvSpPr>
+            <a:spLocks noChangeArrowheads="1"/>
+          </p:cNvSpPr>
+          <p:nvPr/>
+        </p:nvSpPr>
+        <p:spPr bwMode="auto">
+          <a:xfrm>
+            <a:off x="1240087" y="1426277"/>
+            <a:ext cx="7425825" cy="4005445"/>
+          </a:xfrm>
+          <a:prstGeom prst="roundRect">
+            <a:avLst>
+              <a:gd name="adj" fmla="val 3396"/>
+            </a:avLst>
+          </a:prstGeom>
+          <a:solidFill>
+            <a:schemeClr val="bg1"/>
+          </a:solidFill>
+          <a:ln w="6350" algn="ctr">
+            <a:solidFill>
+              <a:srgbClr val="336699"/>
+            </a:solidFill>
+            <a:round/>
+            <a:headEnd/>
+            <a:tailEnd/>
+          </a:ln>
+          <a:effectLst>
+            <a:outerShdw dist="35921" dir="2700000" algn="ctr" rotWithShape="0">
+              <a:srgbClr val="336699"/>
+            </a:outerShdw>
+          </a:effectLst>
+        </p:spPr>
+        <p:txBody>
+          <a:bodyPr wrap="none" tIns="46800" anchor="t"/>
+          <a:lstStyle/>
+          <a:p>
+            <a:pPr algn="l">
+              <a:lnSpc>
+                <a:spcPct val="250000"/>
+              </a:lnSpc>
+              <a:spcAft>
+                <a:spcPct val="40000"/>
+              </a:spcAft>
+              <a:defRPr/>
+            </a:pPr>
+            <a:r>
+              <a:rPr lang="en-US" altLang="ko-KR" sz="1800" dirty="0">
+                <a:solidFill>
+                  <a:schemeClr val="bg1">
+                    <a:lumMod val="65000"/>
+                  </a:schemeClr>
+                </a:solidFill>
+                <a:sym typeface="Wingdings" pitchFamily="2" charset="2"/>
+              </a:rPr>
+              <a:t>  ◎ </a:t>
+            </a:r>
+            <a:r>
+              <a:rPr lang="ko-KR" altLang="en-US" sz="1800" dirty="0">
+                <a:solidFill>
+                  <a:schemeClr val="bg1">
+                    <a:lumMod val="65000"/>
+                  </a:schemeClr>
+                </a:solidFill>
+                <a:sym typeface="Wingdings" pitchFamily="2" charset="2"/>
+              </a:rPr>
+              <a:t>주제 선정</a:t>
+            </a:r>
+            <a:endParaRPr lang="en-US" altLang="ko-KR" sz="1800" dirty="0">
+              <a:solidFill>
+                <a:schemeClr val="bg1">
+                  <a:lumMod val="65000"/>
+                </a:schemeClr>
+              </a:solidFill>
+              <a:sym typeface="Wingdings" pitchFamily="2" charset="2"/>
+            </a:endParaRPr>
+          </a:p>
+          <a:p>
+            <a:pPr algn="l">
+              <a:lnSpc>
+                <a:spcPct val="250000"/>
+              </a:lnSpc>
+              <a:spcAft>
+                <a:spcPct val="40000"/>
+              </a:spcAft>
+              <a:defRPr/>
+            </a:pPr>
+            <a:r>
+              <a:rPr lang="en-US" altLang="ko-KR" sz="1800" dirty="0">
+                <a:solidFill>
+                  <a:schemeClr val="bg1">
+                    <a:lumMod val="65000"/>
+                  </a:schemeClr>
+                </a:solidFill>
+                <a:sym typeface="Wingdings" pitchFamily="2" charset="2"/>
+              </a:rPr>
+              <a:t>  ◎ </a:t>
+            </a:r>
+            <a:r>
+              <a:rPr lang="ko-KR" altLang="en-US" sz="1800" dirty="0">
+                <a:solidFill>
+                  <a:schemeClr val="bg1">
+                    <a:lumMod val="65000"/>
+                  </a:schemeClr>
+                </a:solidFill>
+                <a:sym typeface="Wingdings" pitchFamily="2" charset="2"/>
+              </a:rPr>
+              <a:t>주요 서비스 기능</a:t>
+            </a:r>
+            <a:r>
+              <a:rPr lang="en-US" altLang="ko-KR" sz="1800" dirty="0">
+                <a:solidFill>
+                  <a:schemeClr val="bg1">
+                    <a:lumMod val="65000"/>
+                  </a:schemeClr>
+                </a:solidFill>
+                <a:sym typeface="Wingdings" pitchFamily="2" charset="2"/>
+              </a:rPr>
+              <a:t> </a:t>
+            </a:r>
+          </a:p>
+          <a:p>
+            <a:pPr algn="l">
+              <a:lnSpc>
+                <a:spcPct val="250000"/>
+              </a:lnSpc>
+              <a:spcAft>
+                <a:spcPct val="40000"/>
+              </a:spcAft>
+              <a:defRPr/>
+            </a:pPr>
+            <a:r>
+              <a:rPr lang="en-US" altLang="ko-KR" sz="1800" dirty="0">
+                <a:sym typeface="Wingdings" pitchFamily="2" charset="2"/>
+              </a:rPr>
+              <a:t>  </a:t>
+            </a:r>
+            <a:r>
+              <a:rPr lang="en-US" altLang="ko-KR" sz="1800" dirty="0">
+                <a:solidFill>
+                  <a:schemeClr val="bg1">
+                    <a:lumMod val="65000"/>
+                  </a:schemeClr>
+                </a:solidFill>
+                <a:sym typeface="Wingdings" pitchFamily="2" charset="2"/>
+              </a:rPr>
+              <a:t>◎ </a:t>
+            </a:r>
+            <a:r>
+              <a:rPr lang="ko-KR" altLang="en-US" sz="1800" dirty="0">
+                <a:solidFill>
+                  <a:schemeClr val="bg1">
+                    <a:lumMod val="65000"/>
+                  </a:schemeClr>
+                </a:solidFill>
+                <a:sym typeface="Wingdings" pitchFamily="2" charset="2"/>
+              </a:rPr>
+              <a:t>웹 페이지 구상</a:t>
+            </a:r>
+            <a:endParaRPr lang="en-US" altLang="ko-KR" sz="1800" dirty="0">
+              <a:solidFill>
+                <a:schemeClr val="bg1">
+                  <a:lumMod val="65000"/>
+                </a:schemeClr>
+              </a:solidFill>
+              <a:sym typeface="Wingdings" pitchFamily="2" charset="2"/>
+            </a:endParaRPr>
+          </a:p>
+          <a:p>
+            <a:pPr algn="l">
+              <a:lnSpc>
+                <a:spcPct val="250000"/>
+              </a:lnSpc>
+              <a:spcAft>
+                <a:spcPct val="40000"/>
+              </a:spcAft>
+              <a:defRPr/>
+            </a:pPr>
+            <a:r>
+              <a:rPr lang="en-US" altLang="ko-KR" sz="1800" dirty="0">
+                <a:solidFill>
+                  <a:schemeClr val="bg1">
+                    <a:lumMod val="65000"/>
+                  </a:schemeClr>
+                </a:solidFill>
+                <a:sym typeface="Wingdings" pitchFamily="2" charset="2"/>
+              </a:rPr>
+              <a:t>  </a:t>
+            </a:r>
+            <a:r>
+              <a:rPr lang="en-US" altLang="ko-KR" sz="1800" dirty="0">
+                <a:sym typeface="Wingdings" pitchFamily="2" charset="2"/>
+              </a:rPr>
+              <a:t>◎ </a:t>
+            </a:r>
+            <a:r>
+              <a:rPr lang="ko-KR" altLang="en-US" sz="1800" dirty="0">
+                <a:sym typeface="Wingdings" pitchFamily="2" charset="2"/>
+              </a:rPr>
+              <a:t>역할 분담 및 계획 일정</a:t>
+            </a:r>
+            <a:endParaRPr lang="en-US" altLang="ko-KR" sz="1800" dirty="0">
+              <a:sym typeface="Wingdings" pitchFamily="2" charset="2"/>
+            </a:endParaRPr>
+          </a:p>
+        </p:txBody>
+      </p:sp>
+    </p:spTree>
+    <p:extLst>
+      <p:ext uri="{BB962C8B-B14F-4D97-AF65-F5344CB8AC3E}">
+        <p14:creationId xmlns:p14="http://schemas.microsoft.com/office/powerpoint/2010/main" val="1831524280"/>
+      </p:ext>
+    </p:extLst>
+  </p:cSld>
+  <p:clrMapOvr>
+    <a:masterClrMapping/>
+  </p:clrMapOvr>
+  <p:timing>
+    <p:tnLst>
+      <p:par>
+        <p:cTn id="1" dur="indefinite" restart="never" nodeType="tmRoot"/>
+      </p:par>
+    </p:tnLst>
+  </p:timing>
+</p:sld>
+</file>
+
+<file path=ppt/slides/slide12.xml><?xml version="1.0" encoding="utf-8"?>
 <p:sld xmlns:a="http://schemas.openxmlformats.org/drawingml/2006/main" xmlns:r="http://schemas.openxmlformats.org/officeDocument/2006/relationships" xmlns:p="http://schemas.openxmlformats.org/presentationml/2006/main">
   <p:cSld>
     <p:spTree>
@@ -6887,7 +7386,7 @@
           <p:cNvPr id="18" name="표 17">
             <a:extLst>
               <a:ext uri="{FF2B5EF4-FFF2-40B4-BE49-F238E27FC236}">
-                <a16:creationId xmlns:a16="http://schemas.microsoft.com/office/drawing/2014/main" id="{B0C24436-360A-43D1-90C3-09D2E093934D}"/>
+                <a16:creationId xmlns:a16="http://schemas.microsoft.com/office/drawing/2014/main" xmlns="" id="{B0C24436-360A-43D1-90C3-09D2E093934D}"/>
               </a:ext>
             </a:extLst>
           </p:cNvPr>
@@ -6914,70 +7413,70 @@
                 <a:gridCol w="1986099">
                   <a:extLst>
                     <a:ext uri="{9D8B030D-6E8A-4147-A177-3AD203B41FA5}">
-                      <a16:colId xmlns:a16="http://schemas.microsoft.com/office/drawing/2014/main" val="321859593"/>
+                      <a16:colId xmlns:a16="http://schemas.microsoft.com/office/drawing/2014/main" xmlns="" val="321859593"/>
                     </a:ext>
                   </a:extLst>
                 </a:gridCol>
                 <a:gridCol w="637099">
                   <a:extLst>
                     <a:ext uri="{9D8B030D-6E8A-4147-A177-3AD203B41FA5}">
-                      <a16:colId xmlns:a16="http://schemas.microsoft.com/office/drawing/2014/main" val="735551886"/>
+                      <a16:colId xmlns:a16="http://schemas.microsoft.com/office/drawing/2014/main" xmlns="" val="735551886"/>
                     </a:ext>
                   </a:extLst>
                 </a:gridCol>
                 <a:gridCol w="637099">
                   <a:extLst>
                     <a:ext uri="{9D8B030D-6E8A-4147-A177-3AD203B41FA5}">
-                      <a16:colId xmlns:a16="http://schemas.microsoft.com/office/drawing/2014/main" val="2971905543"/>
+                      <a16:colId xmlns:a16="http://schemas.microsoft.com/office/drawing/2014/main" xmlns="" val="2971905543"/>
                     </a:ext>
                   </a:extLst>
                 </a:gridCol>
                 <a:gridCol w="637099">
                   <a:extLst>
                     <a:ext uri="{9D8B030D-6E8A-4147-A177-3AD203B41FA5}">
-                      <a16:colId xmlns:a16="http://schemas.microsoft.com/office/drawing/2014/main" val="3875983091"/>
+                      <a16:colId xmlns:a16="http://schemas.microsoft.com/office/drawing/2014/main" xmlns="" val="3875983091"/>
                     </a:ext>
                   </a:extLst>
                 </a:gridCol>
                 <a:gridCol w="637099">
                   <a:extLst>
                     <a:ext uri="{9D8B030D-6E8A-4147-A177-3AD203B41FA5}">
-                      <a16:colId xmlns:a16="http://schemas.microsoft.com/office/drawing/2014/main" val="4291351908"/>
+                      <a16:colId xmlns:a16="http://schemas.microsoft.com/office/drawing/2014/main" xmlns="" val="4291351908"/>
                     </a:ext>
                   </a:extLst>
                 </a:gridCol>
                 <a:gridCol w="637099">
                   <a:extLst>
                     <a:ext uri="{9D8B030D-6E8A-4147-A177-3AD203B41FA5}">
-                      <a16:colId xmlns:a16="http://schemas.microsoft.com/office/drawing/2014/main" val="1499647640"/>
+                      <a16:colId xmlns:a16="http://schemas.microsoft.com/office/drawing/2014/main" xmlns="" val="1499647640"/>
                     </a:ext>
                   </a:extLst>
                 </a:gridCol>
                 <a:gridCol w="637099">
                   <a:extLst>
                     <a:ext uri="{9D8B030D-6E8A-4147-A177-3AD203B41FA5}">
-                      <a16:colId xmlns:a16="http://schemas.microsoft.com/office/drawing/2014/main" val="2599757917"/>
+                      <a16:colId xmlns:a16="http://schemas.microsoft.com/office/drawing/2014/main" xmlns="" val="2599757917"/>
                     </a:ext>
                   </a:extLst>
                 </a:gridCol>
                 <a:gridCol w="637099">
                   <a:extLst>
                     <a:ext uri="{9D8B030D-6E8A-4147-A177-3AD203B41FA5}">
-                      <a16:colId xmlns:a16="http://schemas.microsoft.com/office/drawing/2014/main" val="2977375615"/>
+                      <a16:colId xmlns:a16="http://schemas.microsoft.com/office/drawing/2014/main" xmlns="" val="2977375615"/>
                     </a:ext>
                   </a:extLst>
                 </a:gridCol>
                 <a:gridCol w="637099">
                   <a:extLst>
                     <a:ext uri="{9D8B030D-6E8A-4147-A177-3AD203B41FA5}">
-                      <a16:colId xmlns:a16="http://schemas.microsoft.com/office/drawing/2014/main" val="4140471832"/>
+                      <a16:colId xmlns:a16="http://schemas.microsoft.com/office/drawing/2014/main" xmlns="" val="4140471832"/>
                     </a:ext>
                   </a:extLst>
                 </a:gridCol>
                 <a:gridCol w="920012">
                   <a:extLst>
                     <a:ext uri="{9D8B030D-6E8A-4147-A177-3AD203B41FA5}">
-                      <a16:colId xmlns:a16="http://schemas.microsoft.com/office/drawing/2014/main" val="2651515564"/>
+                      <a16:colId xmlns:a16="http://schemas.microsoft.com/office/drawing/2014/main" xmlns="" val="2651515564"/>
                     </a:ext>
                   </a:extLst>
                 </a:gridCol>
@@ -8383,7 +8882,7 @@
                 </a:tc>
                 <a:extLst>
                   <a:ext uri="{0D108BD9-81ED-4DB2-BD59-A6C34878D82A}">
-                    <a16:rowId xmlns:a16="http://schemas.microsoft.com/office/drawing/2014/main" val="2182371567"/>
+                    <a16:rowId xmlns:a16="http://schemas.microsoft.com/office/drawing/2014/main" xmlns="" val="2182371567"/>
                   </a:ext>
                 </a:extLst>
               </a:tr>
@@ -9647,7 +10146,7 @@
                 </a:tc>
                 <a:extLst>
                   <a:ext uri="{0D108BD9-81ED-4DB2-BD59-A6C34878D82A}">
-                    <a16:rowId xmlns:a16="http://schemas.microsoft.com/office/drawing/2014/main" val="1103399762"/>
+                    <a16:rowId xmlns:a16="http://schemas.microsoft.com/office/drawing/2014/main" xmlns="" val="1103399762"/>
                   </a:ext>
                 </a:extLst>
               </a:tr>
@@ -11135,7 +11634,7 @@
                 </a:tc>
                 <a:extLst>
                   <a:ext uri="{0D108BD9-81ED-4DB2-BD59-A6C34878D82A}">
-                    <a16:rowId xmlns:a16="http://schemas.microsoft.com/office/drawing/2014/main" val="1127921279"/>
+                    <a16:rowId xmlns:a16="http://schemas.microsoft.com/office/drawing/2014/main" xmlns="" val="1127921279"/>
                   </a:ext>
                 </a:extLst>
               </a:tr>
@@ -12118,7 +12617,7 @@
                 </a:tc>
                 <a:extLst>
                   <a:ext uri="{0D108BD9-81ED-4DB2-BD59-A6C34878D82A}">
-                    <a16:rowId xmlns:a16="http://schemas.microsoft.com/office/drawing/2014/main" val="261175215"/>
+                    <a16:rowId xmlns:a16="http://schemas.microsoft.com/office/drawing/2014/main" xmlns="" val="261175215"/>
                   </a:ext>
                 </a:extLst>
               </a:tr>
@@ -13028,7 +13527,7 @@
                 </a:tc>
                 <a:extLst>
                   <a:ext uri="{0D108BD9-81ED-4DB2-BD59-A6C34878D82A}">
-                    <a16:rowId xmlns:a16="http://schemas.microsoft.com/office/drawing/2014/main" val="1077654214"/>
+                    <a16:rowId xmlns:a16="http://schemas.microsoft.com/office/drawing/2014/main" xmlns="" val="1077654214"/>
                   </a:ext>
                 </a:extLst>
               </a:tr>
@@ -13912,7 +14411,7 @@
                 </a:tc>
                 <a:extLst>
                   <a:ext uri="{0D108BD9-81ED-4DB2-BD59-A6C34878D82A}">
-                    <a16:rowId xmlns:a16="http://schemas.microsoft.com/office/drawing/2014/main" val="1473175522"/>
+                    <a16:rowId xmlns:a16="http://schemas.microsoft.com/office/drawing/2014/main" xmlns="" val="1473175522"/>
                   </a:ext>
                 </a:extLst>
               </a:tr>
@@ -14807,7 +15306,7 @@
                 </a:tc>
                 <a:extLst>
                   <a:ext uri="{0D108BD9-81ED-4DB2-BD59-A6C34878D82A}">
-                    <a16:rowId xmlns:a16="http://schemas.microsoft.com/office/drawing/2014/main" val="3995580844"/>
+                    <a16:rowId xmlns:a16="http://schemas.microsoft.com/office/drawing/2014/main" xmlns="" val="3995580844"/>
                   </a:ext>
                 </a:extLst>
               </a:tr>
@@ -15730,7 +16229,7 @@
                 </a:tc>
                 <a:extLst>
                   <a:ext uri="{0D108BD9-81ED-4DB2-BD59-A6C34878D82A}">
-                    <a16:rowId xmlns:a16="http://schemas.microsoft.com/office/drawing/2014/main" val="4290507363"/>
+                    <a16:rowId xmlns:a16="http://schemas.microsoft.com/office/drawing/2014/main" xmlns="" val="4290507363"/>
                   </a:ext>
                 </a:extLst>
               </a:tr>
@@ -15743,7 +16242,7 @@
           <p:cNvPr id="22" name="오른쪽 화살표 1">
             <a:extLst>
               <a:ext uri="{FF2B5EF4-FFF2-40B4-BE49-F238E27FC236}">
-                <a16:creationId xmlns:a16="http://schemas.microsoft.com/office/drawing/2014/main" id="{E2B79DA1-DA18-4F0C-8023-26D8A3AC2D46}"/>
+                <a16:creationId xmlns:a16="http://schemas.microsoft.com/office/drawing/2014/main" xmlns="" id="{E2B79DA1-DA18-4F0C-8023-26D8A3AC2D46}"/>
               </a:ext>
             </a:extLst>
           </p:cNvPr>
@@ -15815,7 +16314,7 @@
           <p:cNvPr id="23" name="오른쪽 화살표 1">
             <a:extLst>
               <a:ext uri="{FF2B5EF4-FFF2-40B4-BE49-F238E27FC236}">
-                <a16:creationId xmlns:a16="http://schemas.microsoft.com/office/drawing/2014/main" id="{AB852B24-EA29-46DA-9E23-00BCCA33617F}"/>
+                <a16:creationId xmlns:a16="http://schemas.microsoft.com/office/drawing/2014/main" xmlns="" id="{AB852B24-EA29-46DA-9E23-00BCCA33617F}"/>
               </a:ext>
             </a:extLst>
           </p:cNvPr>
@@ -15887,7 +16386,7 @@
           <p:cNvPr id="24" name="오른쪽 화살표 1">
             <a:extLst>
               <a:ext uri="{FF2B5EF4-FFF2-40B4-BE49-F238E27FC236}">
-                <a16:creationId xmlns:a16="http://schemas.microsoft.com/office/drawing/2014/main" id="{82CAC1C3-E0C9-451A-99C9-E5C30A7CB6C0}"/>
+                <a16:creationId xmlns:a16="http://schemas.microsoft.com/office/drawing/2014/main" xmlns="" id="{82CAC1C3-E0C9-451A-99C9-E5C30A7CB6C0}"/>
               </a:ext>
             </a:extLst>
           </p:cNvPr>
@@ -15896,8 +16395,8 @@
         </p:nvSpPr>
         <p:spPr bwMode="auto">
           <a:xfrm>
-            <a:off x="5043010" y="3859790"/>
-            <a:ext cx="1080120" cy="468000"/>
+            <a:off x="5043009" y="3859790"/>
+            <a:ext cx="1305145" cy="468000"/>
           </a:xfrm>
           <a:prstGeom prst="rightArrow">
             <a:avLst/>
@@ -15959,7 +16458,7 @@
           <p:cNvPr id="25" name="오른쪽 화살표 1">
             <a:extLst>
               <a:ext uri="{FF2B5EF4-FFF2-40B4-BE49-F238E27FC236}">
-                <a16:creationId xmlns:a16="http://schemas.microsoft.com/office/drawing/2014/main" id="{CC78AC10-0723-4311-8BD0-8B0851F0F0EB}"/>
+                <a16:creationId xmlns:a16="http://schemas.microsoft.com/office/drawing/2014/main" xmlns="" id="{CC78AC10-0723-4311-8BD0-8B0851F0F0EB}"/>
               </a:ext>
             </a:extLst>
           </p:cNvPr>
@@ -16031,7 +16530,7 @@
           <p:cNvPr id="26" name="오른쪽 화살표 1">
             <a:extLst>
               <a:ext uri="{FF2B5EF4-FFF2-40B4-BE49-F238E27FC236}">
-                <a16:creationId xmlns:a16="http://schemas.microsoft.com/office/drawing/2014/main" id="{7AC2789B-5408-4C94-AC46-38BDCA9235E9}"/>
+                <a16:creationId xmlns:a16="http://schemas.microsoft.com/office/drawing/2014/main" xmlns="" id="{7AC2789B-5408-4C94-AC46-38BDCA9235E9}"/>
               </a:ext>
             </a:extLst>
           </p:cNvPr>
@@ -16103,7 +16602,7 @@
           <p:cNvPr id="28" name="오른쪽 화살표 1">
             <a:extLst>
               <a:ext uri="{FF2B5EF4-FFF2-40B4-BE49-F238E27FC236}">
-                <a16:creationId xmlns:a16="http://schemas.microsoft.com/office/drawing/2014/main" id="{139E2962-6DD5-41FB-8E99-06573774BAAC}"/>
+                <a16:creationId xmlns:a16="http://schemas.microsoft.com/office/drawing/2014/main" xmlns="" id="{139E2962-6DD5-41FB-8E99-06573774BAAC}"/>
               </a:ext>
             </a:extLst>
           </p:cNvPr>
@@ -16175,7 +16674,7 @@
           <p:cNvPr id="30" name="TextBox 29">
             <a:extLst>
               <a:ext uri="{FF2B5EF4-FFF2-40B4-BE49-F238E27FC236}">
-                <a16:creationId xmlns:a16="http://schemas.microsoft.com/office/drawing/2014/main" id="{AFD98AB8-7C6B-4BC5-A536-A91798E8B3A2}"/>
+                <a16:creationId xmlns:a16="http://schemas.microsoft.com/office/drawing/2014/main" xmlns="" id="{AFD98AB8-7C6B-4BC5-A536-A91798E8B3A2}"/>
               </a:ext>
             </a:extLst>
           </p:cNvPr>
@@ -16363,10 +16862,17 @@
   <p:clrMapOvr>
     <a:masterClrMapping/>
   </p:clrMapOvr>
+  <p:timing>
+    <p:tnLst>
+      <p:par>
+        <p:cTn id="1" dur="indefinite" restart="never" nodeType="tmRoot"/>
+      </p:par>
+    </p:tnLst>
+  </p:timing>
 </p:sld>
 </file>
 
-<file path=ppt/slides/slide11.xml><?xml version="1.0" encoding="utf-8"?>
+<file path=ppt/slides/slide13.xml><?xml version="1.0" encoding="utf-8"?>
 <p:sld xmlns:a="http://schemas.openxmlformats.org/drawingml/2006/main" xmlns:r="http://schemas.openxmlformats.org/officeDocument/2006/relationships" xmlns:p="http://schemas.openxmlformats.org/presentationml/2006/main">
   <p:cSld>
     <p:spTree>
@@ -16505,6 +17011,13 @@
   <p:clrMapOvr>
     <a:masterClrMapping/>
   </p:clrMapOvr>
+  <p:timing>
+    <p:tnLst>
+      <p:par>
+        <p:cTn id="1" dur="indefinite" restart="never" nodeType="tmRoot"/>
+      </p:par>
+    </p:tnLst>
+  </p:timing>
 </p:sld>
 </file>
 
@@ -16727,6 +17240,13 @@
   <p:clrMapOvr>
     <a:masterClrMapping/>
   </p:clrMapOvr>
+  <p:timing>
+    <p:tnLst>
+      <p:par>
+        <p:cTn id="1" dur="indefinite" restart="never" nodeType="tmRoot"/>
+      </p:par>
+    </p:tnLst>
+  </p:timing>
 </p:sld>
 </file>
 
@@ -16801,7 +17321,7 @@
           <p:cNvPr id="18" name="TextBox 17">
             <a:extLst>
               <a:ext uri="{FF2B5EF4-FFF2-40B4-BE49-F238E27FC236}">
-                <a16:creationId xmlns:a16="http://schemas.microsoft.com/office/drawing/2014/main" id="{3E562866-06B1-483C-A2B6-A57E02DDB29A}"/>
+                <a16:creationId xmlns:a16="http://schemas.microsoft.com/office/drawing/2014/main" xmlns="" id="{3E562866-06B1-483C-A2B6-A57E02DDB29A}"/>
               </a:ext>
             </a:extLst>
           </p:cNvPr>
@@ -16932,7 +17452,7 @@
           <p:cNvPr id="25" name="그룹 24">
             <a:extLst>
               <a:ext uri="{FF2B5EF4-FFF2-40B4-BE49-F238E27FC236}">
-                <a16:creationId xmlns:a16="http://schemas.microsoft.com/office/drawing/2014/main" id="{AA36F154-E0EA-4C87-9716-E51C6104E04F}"/>
+                <a16:creationId xmlns:a16="http://schemas.microsoft.com/office/drawing/2014/main" xmlns="" id="{AA36F154-E0EA-4C87-9716-E51C6104E04F}"/>
               </a:ext>
             </a:extLst>
           </p:cNvPr>
@@ -16952,7 +17472,7 @@
             <p:cNvPr id="39" name="직사각형 38">
               <a:extLst>
                 <a:ext uri="{FF2B5EF4-FFF2-40B4-BE49-F238E27FC236}">
-                  <a16:creationId xmlns:a16="http://schemas.microsoft.com/office/drawing/2014/main" id="{17E3973B-5B43-44EA-9475-14ED851A6A1F}"/>
+                  <a16:creationId xmlns:a16="http://schemas.microsoft.com/office/drawing/2014/main" xmlns="" id="{17E3973B-5B43-44EA-9475-14ED851A6A1F}"/>
                 </a:ext>
               </a:extLst>
             </p:cNvPr>
@@ -17010,7 +17530,7 @@
             <p:cNvPr id="40" name="그림 39">
               <a:extLst>
                 <a:ext uri="{FF2B5EF4-FFF2-40B4-BE49-F238E27FC236}">
-                  <a16:creationId xmlns:a16="http://schemas.microsoft.com/office/drawing/2014/main" id="{2B16F0F9-FFAC-428C-B16C-4A0CF343B4DF}"/>
+                  <a16:creationId xmlns:a16="http://schemas.microsoft.com/office/drawing/2014/main" xmlns="" id="{2B16F0F9-FFAC-428C-B16C-4A0CF343B4DF}"/>
                 </a:ext>
               </a:extLst>
             </p:cNvPr>
@@ -17071,7 +17591,7 @@
             <p:cNvPr id="41" name="사각형: 둥근 모서리 9">
               <a:extLst>
                 <a:ext uri="{FF2B5EF4-FFF2-40B4-BE49-F238E27FC236}">
-                  <a16:creationId xmlns:a16="http://schemas.microsoft.com/office/drawing/2014/main" id="{97F7F671-FE67-4164-B806-994FA54FD8BD}"/>
+                  <a16:creationId xmlns:a16="http://schemas.microsoft.com/office/drawing/2014/main" xmlns="" id="{97F7F671-FE67-4164-B806-994FA54FD8BD}"/>
                 </a:ext>
               </a:extLst>
             </p:cNvPr>
@@ -17305,7 +17825,7 @@
             <p:cNvPr id="42" name="사각형: 둥근 모서리 9">
               <a:extLst>
                 <a:ext uri="{FF2B5EF4-FFF2-40B4-BE49-F238E27FC236}">
-                  <a16:creationId xmlns:a16="http://schemas.microsoft.com/office/drawing/2014/main" id="{DCB75AAB-887B-45FD-9146-2CA2EC46A11A}"/>
+                  <a16:creationId xmlns:a16="http://schemas.microsoft.com/office/drawing/2014/main" xmlns="" id="{DCB75AAB-887B-45FD-9146-2CA2EC46A11A}"/>
                 </a:ext>
               </a:extLst>
             </p:cNvPr>
@@ -17565,7 +18085,7 @@
             <p:cNvPr id="43" name="사각형: 둥근 모서리 9">
               <a:extLst>
                 <a:ext uri="{FF2B5EF4-FFF2-40B4-BE49-F238E27FC236}">
-                  <a16:creationId xmlns:a16="http://schemas.microsoft.com/office/drawing/2014/main" id="{AEA2014C-5ECD-4016-8A05-C8FA83D67F6C}"/>
+                  <a16:creationId xmlns:a16="http://schemas.microsoft.com/office/drawing/2014/main" xmlns="" id="{AEA2014C-5ECD-4016-8A05-C8FA83D67F6C}"/>
                 </a:ext>
               </a:extLst>
             </p:cNvPr>
@@ -17786,6 +18306,13 @@
   <p:clrMapOvr>
     <a:masterClrMapping/>
   </p:clrMapOvr>
+  <p:timing>
+    <p:tnLst>
+      <p:par>
+        <p:cTn id="1" dur="indefinite" restart="never" nodeType="tmRoot"/>
+      </p:par>
+    </p:tnLst>
+  </p:timing>
 </p:sld>
 </file>
 
@@ -18008,6 +18535,13 @@
   <p:clrMapOvr>
     <a:masterClrMapping/>
   </p:clrMapOvr>
+  <p:timing>
+    <p:tnLst>
+      <p:par>
+        <p:cTn id="1" dur="indefinite" restart="never" nodeType="tmRoot"/>
+      </p:par>
+    </p:tnLst>
+  </p:timing>
 </p:sld>
 </file>
 
@@ -18033,7 +18567,7 @@
           <p:cNvPr id="21" name="직사각형 20">
             <a:extLst>
               <a:ext uri="{FF2B5EF4-FFF2-40B4-BE49-F238E27FC236}">
-                <a16:creationId xmlns:a16="http://schemas.microsoft.com/office/drawing/2014/main" id="{57408426-CD97-40A6-8CA3-0C64680FE08F}"/>
+                <a16:creationId xmlns:a16="http://schemas.microsoft.com/office/drawing/2014/main" xmlns="" id="{57408426-CD97-40A6-8CA3-0C64680FE08F}"/>
               </a:ext>
             </a:extLst>
           </p:cNvPr>
@@ -18144,7 +18678,7 @@
           <p:cNvPr id="52" name="사각형: 둥근 모서리 51">
             <a:extLst>
               <a:ext uri="{FF2B5EF4-FFF2-40B4-BE49-F238E27FC236}">
-                <a16:creationId xmlns:a16="http://schemas.microsoft.com/office/drawing/2014/main" id="{110E4148-1AFC-43B2-AD98-5F556973A725}"/>
+                <a16:creationId xmlns:a16="http://schemas.microsoft.com/office/drawing/2014/main" xmlns="" id="{110E4148-1AFC-43B2-AD98-5F556973A725}"/>
               </a:ext>
             </a:extLst>
           </p:cNvPr>
@@ -18217,7 +18751,7 @@
           <p:cNvPr id="53" name="사각형: 둥근 모서리 52">
             <a:extLst>
               <a:ext uri="{FF2B5EF4-FFF2-40B4-BE49-F238E27FC236}">
-                <a16:creationId xmlns:a16="http://schemas.microsoft.com/office/drawing/2014/main" id="{E9D86A73-865B-4E94-A52D-69BC55AFB3FF}"/>
+                <a16:creationId xmlns:a16="http://schemas.microsoft.com/office/drawing/2014/main" xmlns="" id="{E9D86A73-865B-4E94-A52D-69BC55AFB3FF}"/>
               </a:ext>
             </a:extLst>
           </p:cNvPr>
@@ -18290,7 +18824,7 @@
           <p:cNvPr id="54" name="사각형: 둥근 모서리 53">
             <a:extLst>
               <a:ext uri="{FF2B5EF4-FFF2-40B4-BE49-F238E27FC236}">
-                <a16:creationId xmlns:a16="http://schemas.microsoft.com/office/drawing/2014/main" id="{9202BF26-1CA8-47FD-852F-D91967BC0B15}"/>
+                <a16:creationId xmlns:a16="http://schemas.microsoft.com/office/drawing/2014/main" xmlns="" id="{9202BF26-1CA8-47FD-852F-D91967BC0B15}"/>
               </a:ext>
             </a:extLst>
           </p:cNvPr>
@@ -18388,7 +18922,7 @@
           <p:cNvPr id="55" name="사각형: 둥근 모서리 54">
             <a:extLst>
               <a:ext uri="{FF2B5EF4-FFF2-40B4-BE49-F238E27FC236}">
-                <a16:creationId xmlns:a16="http://schemas.microsoft.com/office/drawing/2014/main" id="{291F0365-9E92-4EC4-AF44-4944CC0A7031}"/>
+                <a16:creationId xmlns:a16="http://schemas.microsoft.com/office/drawing/2014/main" xmlns="" id="{291F0365-9E92-4EC4-AF44-4944CC0A7031}"/>
               </a:ext>
             </a:extLst>
           </p:cNvPr>
@@ -18461,7 +18995,7 @@
           <p:cNvPr id="56" name="사각형: 둥근 모서리 55">
             <a:extLst>
               <a:ext uri="{FF2B5EF4-FFF2-40B4-BE49-F238E27FC236}">
-                <a16:creationId xmlns:a16="http://schemas.microsoft.com/office/drawing/2014/main" id="{672D2700-D433-4504-96B0-33D93D065012}"/>
+                <a16:creationId xmlns:a16="http://schemas.microsoft.com/office/drawing/2014/main" xmlns="" id="{672D2700-D433-4504-96B0-33D93D065012}"/>
               </a:ext>
             </a:extLst>
           </p:cNvPr>
@@ -18534,7 +19068,7 @@
           <p:cNvPr id="9" name="TextBox 8">
             <a:extLst>
               <a:ext uri="{FF2B5EF4-FFF2-40B4-BE49-F238E27FC236}">
-                <a16:creationId xmlns:a16="http://schemas.microsoft.com/office/drawing/2014/main" id="{85BF2892-3C00-43ED-A245-CB911DE4436C}"/>
+                <a16:creationId xmlns:a16="http://schemas.microsoft.com/office/drawing/2014/main" xmlns="" id="{85BF2892-3C00-43ED-A245-CB911DE4436C}"/>
               </a:ext>
             </a:extLst>
           </p:cNvPr>
@@ -18571,7 +19105,7 @@
           <p:cNvPr id="10" name="TextBox 9">
             <a:extLst>
               <a:ext uri="{FF2B5EF4-FFF2-40B4-BE49-F238E27FC236}">
-                <a16:creationId xmlns:a16="http://schemas.microsoft.com/office/drawing/2014/main" id="{FE026769-4294-477C-B54D-6C2BA9A0C263}"/>
+                <a16:creationId xmlns:a16="http://schemas.microsoft.com/office/drawing/2014/main" xmlns="" id="{FE026769-4294-477C-B54D-6C2BA9A0C263}"/>
               </a:ext>
             </a:extLst>
           </p:cNvPr>
@@ -18624,7 +19158,7 @@
           <p:cNvPr id="11" name="TextBox 10">
             <a:extLst>
               <a:ext uri="{FF2B5EF4-FFF2-40B4-BE49-F238E27FC236}">
-                <a16:creationId xmlns:a16="http://schemas.microsoft.com/office/drawing/2014/main" id="{E0E68136-7959-4F32-909D-245EEE6F01F4}"/>
+                <a16:creationId xmlns:a16="http://schemas.microsoft.com/office/drawing/2014/main" xmlns="" id="{E0E68136-7959-4F32-909D-245EEE6F01F4}"/>
               </a:ext>
             </a:extLst>
           </p:cNvPr>
@@ -18666,7 +19200,7 @@
           <p:cNvPr id="12" name="그림 11">
             <a:extLst>
               <a:ext uri="{FF2B5EF4-FFF2-40B4-BE49-F238E27FC236}">
-                <a16:creationId xmlns:a16="http://schemas.microsoft.com/office/drawing/2014/main" id="{B0FBE230-1C2C-4EC6-9CDF-B0741B866DFA}"/>
+                <a16:creationId xmlns:a16="http://schemas.microsoft.com/office/drawing/2014/main" xmlns="" id="{B0FBE230-1C2C-4EC6-9CDF-B0741B866DFA}"/>
               </a:ext>
             </a:extLst>
           </p:cNvPr>
@@ -18700,7 +19234,7 @@
           <p:cNvPr id="14" name="TextBox 13">
             <a:extLst>
               <a:ext uri="{FF2B5EF4-FFF2-40B4-BE49-F238E27FC236}">
-                <a16:creationId xmlns:a16="http://schemas.microsoft.com/office/drawing/2014/main" id="{DA0EEDE0-A7D0-4BAA-98B1-2CE59DA00FD5}"/>
+                <a16:creationId xmlns:a16="http://schemas.microsoft.com/office/drawing/2014/main" xmlns="" id="{DA0EEDE0-A7D0-4BAA-98B1-2CE59DA00FD5}"/>
               </a:ext>
             </a:extLst>
           </p:cNvPr>
@@ -18756,7 +19290,7 @@
           <p:cNvPr id="17" name="TextBox 16">
             <a:extLst>
               <a:ext uri="{FF2B5EF4-FFF2-40B4-BE49-F238E27FC236}">
-                <a16:creationId xmlns:a16="http://schemas.microsoft.com/office/drawing/2014/main" id="{676E376A-EF7B-41CE-BFB1-B3C053ECBD29}"/>
+                <a16:creationId xmlns:a16="http://schemas.microsoft.com/office/drawing/2014/main" xmlns="" id="{676E376A-EF7B-41CE-BFB1-B3C053ECBD29}"/>
               </a:ext>
             </a:extLst>
           </p:cNvPr>
@@ -18825,7 +19359,7 @@
           <p:cNvPr id="19" name="그림 18" descr="텍스트, 지도이(가) 표시된 사진&#10;&#10;자동 생성된 설명">
             <a:extLst>
               <a:ext uri="{FF2B5EF4-FFF2-40B4-BE49-F238E27FC236}">
-                <a16:creationId xmlns:a16="http://schemas.microsoft.com/office/drawing/2014/main" id="{3014D222-0764-4BDE-895A-61674C070AE9}"/>
+                <a16:creationId xmlns:a16="http://schemas.microsoft.com/office/drawing/2014/main" xmlns="" id="{3014D222-0764-4BDE-895A-61674C070AE9}"/>
               </a:ext>
             </a:extLst>
           </p:cNvPr>
@@ -18863,7 +19397,7 @@
           <p:cNvPr id="3" name="그림 2">
             <a:extLst>
               <a:ext uri="{FF2B5EF4-FFF2-40B4-BE49-F238E27FC236}">
-                <a16:creationId xmlns:a16="http://schemas.microsoft.com/office/drawing/2014/main" id="{165E5EE7-73D0-42E9-9B7F-B9132A6559BF}"/>
+                <a16:creationId xmlns:a16="http://schemas.microsoft.com/office/drawing/2014/main" xmlns="" id="{165E5EE7-73D0-42E9-9B7F-B9132A6559BF}"/>
               </a:ext>
             </a:extLst>
           </p:cNvPr>
@@ -18898,7 +19432,7 @@
           <p:cNvPr id="5" name="그림 4">
             <a:extLst>
               <a:ext uri="{FF2B5EF4-FFF2-40B4-BE49-F238E27FC236}">
-                <a16:creationId xmlns:a16="http://schemas.microsoft.com/office/drawing/2014/main" id="{BC8BCEBB-6171-42D8-9655-F73F29FF4A33}"/>
+                <a16:creationId xmlns:a16="http://schemas.microsoft.com/office/drawing/2014/main" xmlns="" id="{BC8BCEBB-6171-42D8-9655-F73F29FF4A33}"/>
               </a:ext>
             </a:extLst>
           </p:cNvPr>
@@ -18933,7 +19467,7 @@
           <p:cNvPr id="7" name="그림 6">
             <a:extLst>
               <a:ext uri="{FF2B5EF4-FFF2-40B4-BE49-F238E27FC236}">
-                <a16:creationId xmlns:a16="http://schemas.microsoft.com/office/drawing/2014/main" id="{CE0A379B-610D-4242-967A-27FE1B28C278}"/>
+                <a16:creationId xmlns:a16="http://schemas.microsoft.com/office/drawing/2014/main" xmlns="" id="{CE0A379B-610D-4242-967A-27FE1B28C278}"/>
               </a:ext>
             </a:extLst>
           </p:cNvPr>
@@ -18973,6 +19507,13 @@
   <p:clrMapOvr>
     <a:masterClrMapping/>
   </p:clrMapOvr>
+  <p:timing>
+    <p:tnLst>
+      <p:par>
+        <p:cTn id="1" dur="indefinite" restart="never" nodeType="tmRoot"/>
+      </p:par>
+    </p:tnLst>
+  </p:timing>
 </p:sld>
 </file>
 
@@ -19195,6 +19736,13 @@
   <p:clrMapOvr>
     <a:masterClrMapping/>
   </p:clrMapOvr>
+  <p:timing>
+    <p:tnLst>
+      <p:par>
+        <p:cTn id="1" dur="indefinite" restart="never" nodeType="tmRoot"/>
+      </p:par>
+    </p:tnLst>
+  </p:timing>
 </p:sld>
 </file>
 
@@ -19220,7 +19768,7 @@
           <p:cNvPr id="4" name="Rectangle 2">
             <a:extLst>
               <a:ext uri="{FF2B5EF4-FFF2-40B4-BE49-F238E27FC236}">
-                <a16:creationId xmlns:a16="http://schemas.microsoft.com/office/drawing/2014/main" id="{74F59D4A-A616-4EBC-B706-1FBAF206CD63}"/>
+                <a16:creationId xmlns:a16="http://schemas.microsoft.com/office/drawing/2014/main" xmlns="" id="{74F59D4A-A616-4EBC-B706-1FBAF206CD63}"/>
               </a:ext>
             </a:extLst>
           </p:cNvPr>
@@ -19275,7 +19823,7 @@
           <p:cNvPr id="2" name="직사각형 1">
             <a:extLst>
               <a:ext uri="{FF2B5EF4-FFF2-40B4-BE49-F238E27FC236}">
-                <a16:creationId xmlns:a16="http://schemas.microsoft.com/office/drawing/2014/main" id="{A49B5B5D-FD4F-4CA9-8A38-2164E872AEBD}"/>
+                <a16:creationId xmlns:a16="http://schemas.microsoft.com/office/drawing/2014/main" xmlns="" id="{A49B5B5D-FD4F-4CA9-8A38-2164E872AEBD}"/>
               </a:ext>
             </a:extLst>
           </p:cNvPr>
@@ -19345,7 +19893,7 @@
           <p:cNvPr id="5" name="직사각형 4">
             <a:extLst>
               <a:ext uri="{FF2B5EF4-FFF2-40B4-BE49-F238E27FC236}">
-                <a16:creationId xmlns:a16="http://schemas.microsoft.com/office/drawing/2014/main" id="{0A4DCA96-9865-4F84-BA49-D113DC675D27}"/>
+                <a16:creationId xmlns:a16="http://schemas.microsoft.com/office/drawing/2014/main" xmlns="" id="{0A4DCA96-9865-4F84-BA49-D113DC675D27}"/>
               </a:ext>
             </a:extLst>
           </p:cNvPr>
@@ -19415,7 +19963,7 @@
           <p:cNvPr id="6" name="TextBox 5">
             <a:extLst>
               <a:ext uri="{FF2B5EF4-FFF2-40B4-BE49-F238E27FC236}">
-                <a16:creationId xmlns:a16="http://schemas.microsoft.com/office/drawing/2014/main" id="{928CA6EB-8EA3-423B-9FE5-A5FFFF4EB6DB}"/>
+                <a16:creationId xmlns:a16="http://schemas.microsoft.com/office/drawing/2014/main" xmlns="" id="{928CA6EB-8EA3-423B-9FE5-A5FFFF4EB6DB}"/>
               </a:ext>
             </a:extLst>
           </p:cNvPr>
@@ -19450,7 +19998,7 @@
           <p:cNvPr id="7" name="직사각형 6">
             <a:extLst>
               <a:ext uri="{FF2B5EF4-FFF2-40B4-BE49-F238E27FC236}">
-                <a16:creationId xmlns:a16="http://schemas.microsoft.com/office/drawing/2014/main" id="{BA8923EC-C2A0-4757-B0E9-F5CED7E09BDC}"/>
+                <a16:creationId xmlns:a16="http://schemas.microsoft.com/office/drawing/2014/main" xmlns="" id="{BA8923EC-C2A0-4757-B0E9-F5CED7E09BDC}"/>
               </a:ext>
             </a:extLst>
           </p:cNvPr>
@@ -19576,7 +20124,7 @@
           <p:cNvPr id="8" name="직사각형 7">
             <a:extLst>
               <a:ext uri="{FF2B5EF4-FFF2-40B4-BE49-F238E27FC236}">
-                <a16:creationId xmlns:a16="http://schemas.microsoft.com/office/drawing/2014/main" id="{15F3C105-88A9-417C-9B51-AA45FE52B531}"/>
+                <a16:creationId xmlns:a16="http://schemas.microsoft.com/office/drawing/2014/main" xmlns="" id="{15F3C105-88A9-417C-9B51-AA45FE52B531}"/>
               </a:ext>
             </a:extLst>
           </p:cNvPr>
@@ -19702,7 +20250,7 @@
           <p:cNvPr id="9" name="TextBox 8">
             <a:extLst>
               <a:ext uri="{FF2B5EF4-FFF2-40B4-BE49-F238E27FC236}">
-                <a16:creationId xmlns:a16="http://schemas.microsoft.com/office/drawing/2014/main" id="{6D42A3CA-E048-44B6-B33C-C38CB833423C}"/>
+                <a16:creationId xmlns:a16="http://schemas.microsoft.com/office/drawing/2014/main" xmlns="" id="{6D42A3CA-E048-44B6-B33C-C38CB833423C}"/>
               </a:ext>
             </a:extLst>
           </p:cNvPr>
@@ -19746,7 +20294,7 @@
           <p:cNvPr id="10" name="TextBox 9">
             <a:extLst>
               <a:ext uri="{FF2B5EF4-FFF2-40B4-BE49-F238E27FC236}">
-                <a16:creationId xmlns:a16="http://schemas.microsoft.com/office/drawing/2014/main" id="{4AD8E4FB-F67D-4B56-9C7B-0D2AB4BBD660}"/>
+                <a16:creationId xmlns:a16="http://schemas.microsoft.com/office/drawing/2014/main" xmlns="" id="{4AD8E4FB-F67D-4B56-9C7B-0D2AB4BBD660}"/>
               </a:ext>
             </a:extLst>
           </p:cNvPr>
@@ -19785,7 +20333,7 @@
           <p:cNvPr id="11" name="TextBox 10">
             <a:extLst>
               <a:ext uri="{FF2B5EF4-FFF2-40B4-BE49-F238E27FC236}">
-                <a16:creationId xmlns:a16="http://schemas.microsoft.com/office/drawing/2014/main" id="{3E1E7EE6-9897-4005-8F25-18DBEAEDB869}"/>
+                <a16:creationId xmlns:a16="http://schemas.microsoft.com/office/drawing/2014/main" xmlns="" id="{3E1E7EE6-9897-4005-8F25-18DBEAEDB869}"/>
               </a:ext>
             </a:extLst>
           </p:cNvPr>
@@ -19829,7 +20377,7 @@
           <p:cNvPr id="12" name="직사각형 11">
             <a:extLst>
               <a:ext uri="{FF2B5EF4-FFF2-40B4-BE49-F238E27FC236}">
-                <a16:creationId xmlns:a16="http://schemas.microsoft.com/office/drawing/2014/main" id="{709EA434-92F3-4A05-BBA9-403FC0E8B006}"/>
+                <a16:creationId xmlns:a16="http://schemas.microsoft.com/office/drawing/2014/main" xmlns="" id="{709EA434-92F3-4A05-BBA9-403FC0E8B006}"/>
               </a:ext>
             </a:extLst>
           </p:cNvPr>
@@ -19945,7 +20493,7 @@
           <p:cNvPr id="13" name="직사각형 12">
             <a:extLst>
               <a:ext uri="{FF2B5EF4-FFF2-40B4-BE49-F238E27FC236}">
-                <a16:creationId xmlns:a16="http://schemas.microsoft.com/office/drawing/2014/main" id="{2C8329FA-7384-45C9-955B-F1C484ACEE46}"/>
+                <a16:creationId xmlns:a16="http://schemas.microsoft.com/office/drawing/2014/main" xmlns="" id="{2C8329FA-7384-45C9-955B-F1C484ACEE46}"/>
               </a:ext>
             </a:extLst>
           </p:cNvPr>
@@ -20071,7 +20619,7 @@
           <p:cNvPr id="14" name="직사각형 13">
             <a:extLst>
               <a:ext uri="{FF2B5EF4-FFF2-40B4-BE49-F238E27FC236}">
-                <a16:creationId xmlns:a16="http://schemas.microsoft.com/office/drawing/2014/main" id="{294007EF-A4C1-4C6F-A10C-2C53BC6CC199}"/>
+                <a16:creationId xmlns:a16="http://schemas.microsoft.com/office/drawing/2014/main" xmlns="" id="{294007EF-A4C1-4C6F-A10C-2C53BC6CC199}"/>
               </a:ext>
             </a:extLst>
           </p:cNvPr>
@@ -20197,7 +20745,7 @@
           <p:cNvPr id="15" name="직사각형 14">
             <a:extLst>
               <a:ext uri="{FF2B5EF4-FFF2-40B4-BE49-F238E27FC236}">
-                <a16:creationId xmlns:a16="http://schemas.microsoft.com/office/drawing/2014/main" id="{EF492A82-43CE-49EE-8A7E-322A5046DB60}"/>
+                <a16:creationId xmlns:a16="http://schemas.microsoft.com/office/drawing/2014/main" xmlns="" id="{EF492A82-43CE-49EE-8A7E-322A5046DB60}"/>
               </a:ext>
             </a:extLst>
           </p:cNvPr>
@@ -20323,7 +20871,7 @@
           <p:cNvPr id="16" name="직사각형 15">
             <a:extLst>
               <a:ext uri="{FF2B5EF4-FFF2-40B4-BE49-F238E27FC236}">
-                <a16:creationId xmlns:a16="http://schemas.microsoft.com/office/drawing/2014/main" id="{DC32F787-1FB2-4637-AAAA-355DE9B2BFDE}"/>
+                <a16:creationId xmlns:a16="http://schemas.microsoft.com/office/drawing/2014/main" xmlns="" id="{DC32F787-1FB2-4637-AAAA-355DE9B2BFDE}"/>
               </a:ext>
             </a:extLst>
           </p:cNvPr>
@@ -20449,7 +20997,7 @@
           <p:cNvPr id="17" name="TextBox 16">
             <a:extLst>
               <a:ext uri="{FF2B5EF4-FFF2-40B4-BE49-F238E27FC236}">
-                <a16:creationId xmlns:a16="http://schemas.microsoft.com/office/drawing/2014/main" id="{98EF33FD-5B18-45C0-94A7-49F687078C9C}"/>
+                <a16:creationId xmlns:a16="http://schemas.microsoft.com/office/drawing/2014/main" xmlns="" id="{98EF33FD-5B18-45C0-94A7-49F687078C9C}"/>
               </a:ext>
             </a:extLst>
           </p:cNvPr>
@@ -20497,7 +21045,7 @@
           <p:cNvPr id="18" name="사각형: 둥근 모서리 17">
             <a:extLst>
               <a:ext uri="{FF2B5EF4-FFF2-40B4-BE49-F238E27FC236}">
-                <a16:creationId xmlns:a16="http://schemas.microsoft.com/office/drawing/2014/main" id="{98EA07B0-B7DA-4E2F-8B8C-2017445F7658}"/>
+                <a16:creationId xmlns:a16="http://schemas.microsoft.com/office/drawing/2014/main" xmlns="" id="{98EA07B0-B7DA-4E2F-8B8C-2017445F7658}"/>
               </a:ext>
             </a:extLst>
           </p:cNvPr>
@@ -20570,7 +21118,7 @@
           <p:cNvPr id="19" name="사각형: 둥근 모서리 18">
             <a:extLst>
               <a:ext uri="{FF2B5EF4-FFF2-40B4-BE49-F238E27FC236}">
-                <a16:creationId xmlns:a16="http://schemas.microsoft.com/office/drawing/2014/main" id="{4F77092C-2A97-46E9-AB2A-1C4046C6FC2E}"/>
+                <a16:creationId xmlns:a16="http://schemas.microsoft.com/office/drawing/2014/main" xmlns="" id="{4F77092C-2A97-46E9-AB2A-1C4046C6FC2E}"/>
               </a:ext>
             </a:extLst>
           </p:cNvPr>
@@ -20644,7 +21192,7 @@
           <p:cNvPr id="20" name="사각형: 둥근 모서리 19">
             <a:extLst>
               <a:ext uri="{FF2B5EF4-FFF2-40B4-BE49-F238E27FC236}">
-                <a16:creationId xmlns:a16="http://schemas.microsoft.com/office/drawing/2014/main" id="{4F638DC1-008C-4521-B381-564D365C7F73}"/>
+                <a16:creationId xmlns:a16="http://schemas.microsoft.com/office/drawing/2014/main" xmlns="" id="{4F638DC1-008C-4521-B381-564D365C7F73}"/>
               </a:ext>
             </a:extLst>
           </p:cNvPr>
@@ -20718,7 +21266,7 @@
           <p:cNvPr id="21" name="사각형: 둥근 모서리 20">
             <a:extLst>
               <a:ext uri="{FF2B5EF4-FFF2-40B4-BE49-F238E27FC236}">
-                <a16:creationId xmlns:a16="http://schemas.microsoft.com/office/drawing/2014/main" id="{79F5650B-9DBB-48A4-BDC3-15670634CF42}"/>
+                <a16:creationId xmlns:a16="http://schemas.microsoft.com/office/drawing/2014/main" xmlns="" id="{79F5650B-9DBB-48A4-BDC3-15670634CF42}"/>
               </a:ext>
             </a:extLst>
           </p:cNvPr>
@@ -20797,6 +21345,13 @@
   <p:clrMapOvr>
     <a:masterClrMapping/>
   </p:clrMapOvr>
+  <p:timing>
+    <p:tnLst>
+      <p:par>
+        <p:cTn id="1" dur="indefinite" restart="never" nodeType="tmRoot"/>
+      </p:par>
+    </p:tnLst>
+  </p:timing>
 </p:sld>
 </file>
 
@@ -20822,7 +21377,7 @@
           <p:cNvPr id="4" name="Rectangle 2">
             <a:extLst>
               <a:ext uri="{FF2B5EF4-FFF2-40B4-BE49-F238E27FC236}">
-                <a16:creationId xmlns:a16="http://schemas.microsoft.com/office/drawing/2014/main" id="{74F59D4A-A616-4EBC-B706-1FBAF206CD63}"/>
+                <a16:creationId xmlns:a16="http://schemas.microsoft.com/office/drawing/2014/main" xmlns="" id="{74F59D4A-A616-4EBC-B706-1FBAF206CD63}"/>
               </a:ext>
             </a:extLst>
           </p:cNvPr>
@@ -20872,12 +21427,254 @@
           </a:p>
         </p:txBody>
       </p:sp>
+      <p:pic>
+        <p:nvPicPr>
+          <p:cNvPr id="99330" name="Picture 2"/>
+          <p:cNvPicPr>
+            <a:picLocks noChangeAspect="1" noChangeArrowheads="1"/>
+          </p:cNvPicPr>
+          <p:nvPr/>
+        </p:nvPicPr>
+        <p:blipFill>
+          <a:blip r:embed="rId2">
+            <a:extLst>
+              <a:ext uri="{BEBA8EAE-BF5A-486C-A8C5-ECC9F3942E4B}">
+                <a14:imgProps xmlns:a14="http://schemas.microsoft.com/office/drawing/2010/main">
+                  <a14:imgLayer r:embed="rId3">
+                    <a14:imgEffect>
+                      <a14:sharpenSoften amount="-15000"/>
+                    </a14:imgEffect>
+                  </a14:imgLayer>
+                </a14:imgProps>
+              </a:ext>
+              <a:ext uri="{28A0092B-C50C-407E-A947-70E740481C1C}">
+                <a14:useLocalDpi xmlns:a14="http://schemas.microsoft.com/office/drawing/2010/main" val="0"/>
+              </a:ext>
+            </a:extLst>
+          </a:blip>
+          <a:srcRect/>
+          <a:stretch>
+            <a:fillRect/>
+          </a:stretch>
+        </p:blipFill>
+        <p:spPr bwMode="auto">
+          <a:xfrm>
+            <a:off x="831708" y="1043735"/>
+            <a:ext cx="8242583" cy="4779150"/>
+          </a:xfrm>
+          <a:prstGeom prst="rect">
+            <a:avLst/>
+          </a:prstGeom>
+          <a:noFill/>
+          <a:ln>
+            <a:noFill/>
+          </a:ln>
+          <a:effectLst>
+            <a:outerShdw dist="25400" dir="2700000" algn="ctr" rotWithShape="0">
+              <a:schemeClr val="bg2">
+                <a:alpha val="50000"/>
+              </a:schemeClr>
+            </a:outerShdw>
+            <a:reflection endPos="0" dir="5400000" sy="-100000" algn="bl" rotWithShape="0"/>
+          </a:effectLst>
+          <a:extLst>
+            <a:ext uri="{909E8E84-426E-40DD-AFC4-6F175D3DCCD1}">
+              <a14:hiddenFill xmlns:a14="http://schemas.microsoft.com/office/drawing/2010/main">
+                <a:solidFill>
+                  <a:schemeClr val="accent1"/>
+                </a:solidFill>
+              </a14:hiddenFill>
+            </a:ext>
+            <a:ext uri="{91240B29-F687-4F45-9708-019B960494DF}">
+              <a14:hiddenLine xmlns:a14="http://schemas.microsoft.com/office/drawing/2010/main" w="9525">
+                <a:solidFill>
+                  <a:schemeClr val="tx1"/>
+                </a:solidFill>
+                <a:miter lim="800000"/>
+                <a:headEnd/>
+                <a:tailEnd/>
+              </a14:hiddenLine>
+            </a:ext>
+          </a:extLst>
+        </p:spPr>
+      </p:pic>
+      <p:sp>
+        <p:nvSpPr>
+          <p:cNvPr id="3" name="직사각형 2"/>
+          <p:cNvSpPr/>
+          <p:nvPr/>
+        </p:nvSpPr>
+        <p:spPr bwMode="auto">
+          <a:xfrm>
+            <a:off x="2972780" y="2843935"/>
+            <a:ext cx="3780420" cy="765085"/>
+          </a:xfrm>
+          <a:prstGeom prst="rect">
+            <a:avLst/>
+          </a:prstGeom>
+          <a:solidFill>
+            <a:schemeClr val="accent2">
+              <a:lumMod val="40000"/>
+              <a:lumOff val="60000"/>
+            </a:schemeClr>
+          </a:solidFill>
+          <a:ln w="6350" cap="flat" cmpd="sng" algn="ctr">
+            <a:noFill/>
+            <a:prstDash val="solid"/>
+            <a:round/>
+            <a:headEnd type="none" w="med" len="med"/>
+            <a:tailEnd type="none" w="med" len="med"/>
+          </a:ln>
+          <a:effectLst/>
+          <a:scene3d>
+            <a:camera prst="orthographicFront">
+              <a:rot lat="0" lon="0" rev="2400000"/>
+            </a:camera>
+            <a:lightRig rig="threePt" dir="t"/>
+          </a:scene3d>
+        </p:spPr>
+        <p:txBody>
+          <a:bodyPr vert="horz" wrap="none" lIns="91440" tIns="45720" rIns="91440" bIns="45720" numCol="1" rtlCol="0" anchor="ctr" anchorCtr="0" compatLnSpc="1">
+            <a:prstTxWarp prst="textNoShape">
+              <a:avLst/>
+            </a:prstTxWarp>
+          </a:bodyPr>
+          <a:lstStyle/>
+          <a:p>
+            <a:pPr marL="0" marR="0" indent="0" algn="ctr" defTabSz="914400" rtl="0" eaLnBrk="1" fontAlgn="base" latinLnBrk="1" hangingPunct="1">
+              <a:lnSpc>
+                <a:spcPct val="100000"/>
+              </a:lnSpc>
+              <a:spcBef>
+                <a:spcPct val="0"/>
+              </a:spcBef>
+              <a:spcAft>
+                <a:spcPct val="0"/>
+              </a:spcAft>
+              <a:buClrTx/>
+              <a:buSzTx/>
+              <a:buFontTx/>
+              <a:buNone/>
+              <a:tabLst/>
+            </a:pPr>
+            <a:r>
+              <a:rPr lang="en-US" altLang="ko-KR" dirty="0" smtClean="0">
+                <a:solidFill>
+                  <a:schemeClr val="bg1"/>
+                </a:solidFill>
+              </a:rPr>
+              <a:t>SAMPLE</a:t>
+            </a:r>
+            <a:endParaRPr kumimoji="1" lang="ko-KR" altLang="en-US" sz="1200" b="1" i="0" u="none" strike="noStrike" cap="none" normalizeH="0" baseline="0" dirty="0" smtClean="0">
+              <a:ln>
+                <a:noFill/>
+              </a:ln>
+              <a:solidFill>
+                <a:schemeClr val="bg1"/>
+              </a:solidFill>
+              <a:effectLst/>
+            </a:endParaRPr>
+          </a:p>
+        </p:txBody>
+      </p:sp>
+    </p:spTree>
+    <p:extLst>
+      <p:ext uri="{BB962C8B-B14F-4D97-AF65-F5344CB8AC3E}">
+        <p14:creationId xmlns:p14="http://schemas.microsoft.com/office/powerpoint/2010/main" val="365058058"/>
+      </p:ext>
+    </p:extLst>
+  </p:cSld>
+  <p:clrMapOvr>
+    <a:masterClrMapping/>
+  </p:clrMapOvr>
+  <p:timing>
+    <p:tnLst>
+      <p:par>
+        <p:cTn id="1" dur="indefinite" restart="never" nodeType="tmRoot"/>
+      </p:par>
+    </p:tnLst>
+  </p:timing>
+</p:sld>
+</file>
+
+<file path=ppt/slides/slide9.xml><?xml version="1.0" encoding="utf-8"?>
+<p:sld xmlns:a="http://schemas.openxmlformats.org/drawingml/2006/main" xmlns:r="http://schemas.openxmlformats.org/officeDocument/2006/relationships" xmlns:p="http://schemas.openxmlformats.org/presentationml/2006/main">
+  <p:cSld>
+    <p:spTree>
+      <p:nvGrpSpPr>
+        <p:cNvPr id="1" name=""/>
+        <p:cNvGrpSpPr/>
+        <p:nvPr/>
+      </p:nvGrpSpPr>
+      <p:grpSpPr>
+        <a:xfrm>
+          <a:off x="0" y="0"/>
+          <a:ext cx="0" cy="0"/>
+          <a:chOff x="0" y="0"/>
+          <a:chExt cx="0" cy="0"/>
+        </a:xfrm>
+      </p:grpSpPr>
+      <p:sp>
+        <p:nvSpPr>
+          <p:cNvPr id="4" name="Rectangle 2">
+            <a:extLst>
+              <a:ext uri="{FF2B5EF4-FFF2-40B4-BE49-F238E27FC236}">
+                <a16:creationId xmlns:a16="http://schemas.microsoft.com/office/drawing/2014/main" xmlns="" id="{74F59D4A-A616-4EBC-B706-1FBAF206CD63}"/>
+              </a:ext>
+            </a:extLst>
+          </p:cNvPr>
+          <p:cNvSpPr>
+            <a:spLocks noChangeArrowheads="1"/>
+          </p:cNvSpPr>
+          <p:nvPr/>
+        </p:nvSpPr>
+        <p:spPr bwMode="auto">
+          <a:xfrm>
+            <a:off x="587374" y="53975"/>
+            <a:ext cx="4995696" cy="404813"/>
+          </a:xfrm>
+          <a:prstGeom prst="rect">
+            <a:avLst/>
+          </a:prstGeom>
+          <a:noFill/>
+          <a:ln w="9525">
+            <a:noFill/>
+            <a:miter lim="800000"/>
+            <a:headEnd/>
+            <a:tailEnd/>
+          </a:ln>
+        </p:spPr>
+        <p:txBody>
+          <a:bodyPr anchor="ctr"/>
+          <a:lstStyle/>
+          <a:p>
+            <a:pPr algn="l"/>
+            <a:r>
+              <a:rPr lang="ko-KR" altLang="en-US" sz="1800" b="0" dirty="0">
+                <a:solidFill>
+                  <a:srgbClr val="000000"/>
+                </a:solidFill>
+                <a:latin typeface="HY헤드라인M" pitchFamily="18" charset="-127"/>
+                <a:ea typeface="HY헤드라인M" pitchFamily="18" charset="-127"/>
+              </a:rPr>
+              <a:t>웹 페이지 구상</a:t>
+            </a:r>
+            <a:endParaRPr lang="ko-KR" altLang="en-US" sz="1800" dirty="0">
+              <a:solidFill>
+                <a:srgbClr val="000000"/>
+              </a:solidFill>
+              <a:latin typeface="HY헤드라인M" pitchFamily="18" charset="-127"/>
+              <a:ea typeface="HY헤드라인M" pitchFamily="18" charset="-127"/>
+            </a:endParaRPr>
+          </a:p>
+        </p:txBody>
+      </p:sp>
       <p:sp>
         <p:nvSpPr>
           <p:cNvPr id="2" name="직사각형 1">
             <a:extLst>
               <a:ext uri="{FF2B5EF4-FFF2-40B4-BE49-F238E27FC236}">
-                <a16:creationId xmlns:a16="http://schemas.microsoft.com/office/drawing/2014/main" id="{A49B5B5D-FD4F-4CA9-8A38-2164E872AEBD}"/>
+                <a16:creationId xmlns:a16="http://schemas.microsoft.com/office/drawing/2014/main" xmlns="" id="{A49B5B5D-FD4F-4CA9-8A38-2164E872AEBD}"/>
               </a:ext>
             </a:extLst>
           </p:cNvPr>
@@ -20947,7 +21744,7 @@
           <p:cNvPr id="6" name="TextBox 5">
             <a:extLst>
               <a:ext uri="{FF2B5EF4-FFF2-40B4-BE49-F238E27FC236}">
-                <a16:creationId xmlns:a16="http://schemas.microsoft.com/office/drawing/2014/main" id="{928CA6EB-8EA3-423B-9FE5-A5FFFF4EB6DB}"/>
+                <a16:creationId xmlns:a16="http://schemas.microsoft.com/office/drawing/2014/main" xmlns="" id="{928CA6EB-8EA3-423B-9FE5-A5FFFF4EB6DB}"/>
               </a:ext>
             </a:extLst>
           </p:cNvPr>
@@ -20982,7 +21779,7 @@
           <p:cNvPr id="9" name="TextBox 8">
             <a:extLst>
               <a:ext uri="{FF2B5EF4-FFF2-40B4-BE49-F238E27FC236}">
-                <a16:creationId xmlns:a16="http://schemas.microsoft.com/office/drawing/2014/main" id="{6D42A3CA-E048-44B6-B33C-C38CB833423C}"/>
+                <a16:creationId xmlns:a16="http://schemas.microsoft.com/office/drawing/2014/main" xmlns="" id="{6D42A3CA-E048-44B6-B33C-C38CB833423C}"/>
               </a:ext>
             </a:extLst>
           </p:cNvPr>
@@ -21030,7 +21827,7 @@
           <p:cNvPr id="12" name="직사각형 11">
             <a:extLst>
               <a:ext uri="{FF2B5EF4-FFF2-40B4-BE49-F238E27FC236}">
-                <a16:creationId xmlns:a16="http://schemas.microsoft.com/office/drawing/2014/main" id="{709EA434-92F3-4A05-BBA9-403FC0E8B006}"/>
+                <a16:creationId xmlns:a16="http://schemas.microsoft.com/office/drawing/2014/main" xmlns="" id="{709EA434-92F3-4A05-BBA9-403FC0E8B006}"/>
               </a:ext>
             </a:extLst>
           </p:cNvPr>
@@ -21188,7 +21985,7 @@
           <p:cNvPr id="18" name="사각형: 둥근 모서리 17">
             <a:extLst>
               <a:ext uri="{FF2B5EF4-FFF2-40B4-BE49-F238E27FC236}">
-                <a16:creationId xmlns:a16="http://schemas.microsoft.com/office/drawing/2014/main" id="{98EA07B0-B7DA-4E2F-8B8C-2017445F7658}"/>
+                <a16:creationId xmlns:a16="http://schemas.microsoft.com/office/drawing/2014/main" xmlns="" id="{98EA07B0-B7DA-4E2F-8B8C-2017445F7658}"/>
               </a:ext>
             </a:extLst>
           </p:cNvPr>
@@ -21314,7 +22111,7 @@
           <p:cNvPr id="19" name="사각형: 둥근 모서리 18">
             <a:extLst>
               <a:ext uri="{FF2B5EF4-FFF2-40B4-BE49-F238E27FC236}">
-                <a16:creationId xmlns:a16="http://schemas.microsoft.com/office/drawing/2014/main" id="{94DD7B13-331E-4144-9D93-16878F649401}"/>
+                <a16:creationId xmlns:a16="http://schemas.microsoft.com/office/drawing/2014/main" xmlns="" id="{94DD7B13-331E-4144-9D93-16878F649401}"/>
               </a:ext>
             </a:extLst>
           </p:cNvPr>
@@ -21440,7 +22237,7 @@
           <p:cNvPr id="20" name="사각형: 둥근 모서리 19">
             <a:extLst>
               <a:ext uri="{FF2B5EF4-FFF2-40B4-BE49-F238E27FC236}">
-                <a16:creationId xmlns:a16="http://schemas.microsoft.com/office/drawing/2014/main" id="{634BEA3B-BC18-4E5C-BFAF-26F3646B3FB3}"/>
+                <a16:creationId xmlns:a16="http://schemas.microsoft.com/office/drawing/2014/main" xmlns="" id="{634BEA3B-BC18-4E5C-BFAF-26F3646B3FB3}"/>
               </a:ext>
             </a:extLst>
           </p:cNvPr>
@@ -21566,7 +22363,7 @@
           <p:cNvPr id="21" name="사각형: 둥근 모서리 20">
             <a:extLst>
               <a:ext uri="{FF2B5EF4-FFF2-40B4-BE49-F238E27FC236}">
-                <a16:creationId xmlns:a16="http://schemas.microsoft.com/office/drawing/2014/main" id="{1E282971-07DD-4EF6-95F3-76EED06656D2}"/>
+                <a16:creationId xmlns:a16="http://schemas.microsoft.com/office/drawing/2014/main" xmlns="" id="{1E282971-07DD-4EF6-95F3-76EED06656D2}"/>
               </a:ext>
             </a:extLst>
           </p:cNvPr>
@@ -21692,7 +22489,7 @@
           <p:cNvPr id="22" name="직사각형 21">
             <a:extLst>
               <a:ext uri="{FF2B5EF4-FFF2-40B4-BE49-F238E27FC236}">
-                <a16:creationId xmlns:a16="http://schemas.microsoft.com/office/drawing/2014/main" id="{3127A32C-7848-4BDF-91A9-3921AA51AC9B}"/>
+                <a16:creationId xmlns:a16="http://schemas.microsoft.com/office/drawing/2014/main" xmlns="" id="{3127A32C-7848-4BDF-91A9-3921AA51AC9B}"/>
               </a:ext>
             </a:extLst>
           </p:cNvPr>
@@ -21850,7 +22647,7 @@
           <p:cNvPr id="23" name="직사각형 22">
             <a:extLst>
               <a:ext uri="{FF2B5EF4-FFF2-40B4-BE49-F238E27FC236}">
-                <a16:creationId xmlns:a16="http://schemas.microsoft.com/office/drawing/2014/main" id="{2AFC81BC-073F-4FA6-945A-FDA7B20CDD35}"/>
+                <a16:creationId xmlns:a16="http://schemas.microsoft.com/office/drawing/2014/main" xmlns="" id="{2AFC81BC-073F-4FA6-945A-FDA7B20CDD35}"/>
               </a:ext>
             </a:extLst>
           </p:cNvPr>
@@ -22008,7 +22805,7 @@
           <p:cNvPr id="24" name="직사각형 23">
             <a:extLst>
               <a:ext uri="{FF2B5EF4-FFF2-40B4-BE49-F238E27FC236}">
-                <a16:creationId xmlns:a16="http://schemas.microsoft.com/office/drawing/2014/main" id="{46C9DA57-B7BD-4777-8F7B-5BB0E8A5396F}"/>
+                <a16:creationId xmlns:a16="http://schemas.microsoft.com/office/drawing/2014/main" xmlns="" id="{46C9DA57-B7BD-4777-8F7B-5BB0E8A5396F}"/>
               </a:ext>
             </a:extLst>
           </p:cNvPr>
@@ -22166,7 +22963,7 @@
           <p:cNvPr id="25" name="TextBox 24">
             <a:extLst>
               <a:ext uri="{FF2B5EF4-FFF2-40B4-BE49-F238E27FC236}">
-                <a16:creationId xmlns:a16="http://schemas.microsoft.com/office/drawing/2014/main" id="{FEBF4460-8E6E-4019-BF10-CF3BD489D541}"/>
+                <a16:creationId xmlns:a16="http://schemas.microsoft.com/office/drawing/2014/main" xmlns="" id="{FEBF4460-8E6E-4019-BF10-CF3BD489D541}"/>
               </a:ext>
             </a:extLst>
           </p:cNvPr>
@@ -22201,7 +22998,7 @@
           <p:cNvPr id="26" name="TextBox 25">
             <a:extLst>
               <a:ext uri="{FF2B5EF4-FFF2-40B4-BE49-F238E27FC236}">
-                <a16:creationId xmlns:a16="http://schemas.microsoft.com/office/drawing/2014/main" id="{9AC2770D-C070-420A-A29F-B3BB4ED43F70}"/>
+                <a16:creationId xmlns:a16="http://schemas.microsoft.com/office/drawing/2014/main" xmlns="" id="{9AC2770D-C070-420A-A29F-B3BB4ED43F70}"/>
               </a:ext>
             </a:extLst>
           </p:cNvPr>
@@ -22236,7 +23033,7 @@
           <p:cNvPr id="27" name="TextBox 26">
             <a:extLst>
               <a:ext uri="{FF2B5EF4-FFF2-40B4-BE49-F238E27FC236}">
-                <a16:creationId xmlns:a16="http://schemas.microsoft.com/office/drawing/2014/main" id="{7E67798D-8242-478A-A10F-DCD5D904E96E}"/>
+                <a16:creationId xmlns:a16="http://schemas.microsoft.com/office/drawing/2014/main" xmlns="" id="{7E67798D-8242-478A-A10F-DCD5D904E96E}"/>
               </a:ext>
             </a:extLst>
           </p:cNvPr>
@@ -22271,7 +23068,7 @@
           <p:cNvPr id="28" name="TextBox 27">
             <a:extLst>
               <a:ext uri="{FF2B5EF4-FFF2-40B4-BE49-F238E27FC236}">
-                <a16:creationId xmlns:a16="http://schemas.microsoft.com/office/drawing/2014/main" id="{70F77AD7-0B0B-4AFC-BB0C-1580EC7C0EE5}"/>
+                <a16:creationId xmlns:a16="http://schemas.microsoft.com/office/drawing/2014/main" xmlns="" id="{70F77AD7-0B0B-4AFC-BB0C-1580EC7C0EE5}"/>
               </a:ext>
             </a:extLst>
           </p:cNvPr>
@@ -22311,245 +23108,13 @@
   <p:clrMapOvr>
     <a:masterClrMapping/>
   </p:clrMapOvr>
-</p:sld>
-</file>
-
-<file path=ppt/slides/slide9.xml><?xml version="1.0" encoding="utf-8"?>
-<p:sld xmlns:a="http://schemas.openxmlformats.org/drawingml/2006/main" xmlns:r="http://schemas.openxmlformats.org/officeDocument/2006/relationships" xmlns:p="http://schemas.openxmlformats.org/presentationml/2006/main">
-  <p:cSld>
-    <p:spTree>
-      <p:nvGrpSpPr>
-        <p:cNvPr id="1" name=""/>
-        <p:cNvGrpSpPr/>
-        <p:nvPr/>
-      </p:nvGrpSpPr>
-      <p:grpSpPr>
-        <a:xfrm>
-          <a:off x="0" y="0"/>
-          <a:ext cx="0" cy="0"/>
-          <a:chOff x="0" y="0"/>
-          <a:chExt cx="0" cy="0"/>
-        </a:xfrm>
-      </p:grpSpPr>
-      <p:sp>
-        <p:nvSpPr>
-          <p:cNvPr id="3" name="AutoShape 46"/>
-          <p:cNvSpPr>
-            <a:spLocks noChangeArrowheads="1"/>
-          </p:cNvSpPr>
-          <p:nvPr/>
-        </p:nvSpPr>
-        <p:spPr bwMode="auto">
-          <a:xfrm>
-            <a:off x="1240087" y="1426277"/>
-            <a:ext cx="7425825" cy="4005445"/>
-          </a:xfrm>
-          <a:prstGeom prst="roundRect">
-            <a:avLst>
-              <a:gd name="adj" fmla="val 3396"/>
-            </a:avLst>
-          </a:prstGeom>
-          <a:solidFill>
-            <a:schemeClr val="bg1"/>
-          </a:solidFill>
-          <a:ln w="6350" algn="ctr">
-            <a:solidFill>
-              <a:srgbClr val="336699"/>
-            </a:solidFill>
-            <a:round/>
-            <a:headEnd/>
-            <a:tailEnd/>
-          </a:ln>
-          <a:effectLst>
-            <a:outerShdw dist="35921" dir="2700000" algn="ctr" rotWithShape="0">
-              <a:srgbClr val="336699"/>
-            </a:outerShdw>
-          </a:effectLst>
-        </p:spPr>
-        <p:txBody>
-          <a:bodyPr wrap="none" tIns="46800" anchor="t"/>
-          <a:lstStyle/>
-          <a:p>
-            <a:pPr algn="l">
-              <a:lnSpc>
-                <a:spcPct val="250000"/>
-              </a:lnSpc>
-              <a:spcAft>
-                <a:spcPct val="40000"/>
-              </a:spcAft>
-              <a:defRPr/>
-            </a:pPr>
-            <a:r>
-              <a:rPr lang="en-US" altLang="ko-KR" sz="1800" dirty="0">
-                <a:solidFill>
-                  <a:schemeClr val="bg1">
-                    <a:lumMod val="65000"/>
-                  </a:schemeClr>
-                </a:solidFill>
-                <a:sym typeface="Wingdings" pitchFamily="2" charset="2"/>
-              </a:rPr>
-              <a:t>  ◎ </a:t>
-            </a:r>
-            <a:r>
-              <a:rPr lang="ko-KR" altLang="en-US" sz="1800" dirty="0">
-                <a:solidFill>
-                  <a:schemeClr val="bg1">
-                    <a:lumMod val="65000"/>
-                  </a:schemeClr>
-                </a:solidFill>
-                <a:sym typeface="Wingdings" pitchFamily="2" charset="2"/>
-              </a:rPr>
-              <a:t>주제 선정</a:t>
-            </a:r>
-            <a:endParaRPr lang="en-US" altLang="ko-KR" sz="1800" dirty="0">
-              <a:solidFill>
-                <a:schemeClr val="bg1">
-                  <a:lumMod val="65000"/>
-                </a:schemeClr>
-              </a:solidFill>
-              <a:sym typeface="Wingdings" pitchFamily="2" charset="2"/>
-            </a:endParaRPr>
-          </a:p>
-          <a:p>
-            <a:pPr algn="l">
-              <a:lnSpc>
-                <a:spcPct val="250000"/>
-              </a:lnSpc>
-              <a:spcAft>
-                <a:spcPct val="40000"/>
-              </a:spcAft>
-              <a:defRPr/>
-            </a:pPr>
-            <a:r>
-              <a:rPr lang="en-US" altLang="ko-KR" sz="1800" dirty="0">
-                <a:solidFill>
-                  <a:schemeClr val="bg1">
-                    <a:lumMod val="65000"/>
-                  </a:schemeClr>
-                </a:solidFill>
-                <a:sym typeface="Wingdings" pitchFamily="2" charset="2"/>
-              </a:rPr>
-              <a:t>  ◎ </a:t>
-            </a:r>
-            <a:r>
-              <a:rPr lang="ko-KR" altLang="en-US" sz="1800" dirty="0">
-                <a:solidFill>
-                  <a:schemeClr val="bg1">
-                    <a:lumMod val="65000"/>
-                  </a:schemeClr>
-                </a:solidFill>
-                <a:sym typeface="Wingdings" pitchFamily="2" charset="2"/>
-              </a:rPr>
-              <a:t>주요 서비스 기능</a:t>
-            </a:r>
-            <a:r>
-              <a:rPr lang="en-US" altLang="ko-KR" sz="1800" dirty="0">
-                <a:solidFill>
-                  <a:schemeClr val="bg1">
-                    <a:lumMod val="65000"/>
-                  </a:schemeClr>
-                </a:solidFill>
-                <a:sym typeface="Wingdings" pitchFamily="2" charset="2"/>
-              </a:rPr>
-              <a:t> </a:t>
-            </a:r>
-          </a:p>
-          <a:p>
-            <a:pPr algn="l">
-              <a:lnSpc>
-                <a:spcPct val="250000"/>
-              </a:lnSpc>
-              <a:spcAft>
-                <a:spcPct val="40000"/>
-              </a:spcAft>
-              <a:defRPr/>
-            </a:pPr>
-            <a:r>
-              <a:rPr lang="en-US" altLang="ko-KR" sz="1800" dirty="0">
-                <a:sym typeface="Wingdings" pitchFamily="2" charset="2"/>
-              </a:rPr>
-              <a:t>  </a:t>
-            </a:r>
-            <a:r>
-              <a:rPr lang="en-US" altLang="ko-KR" sz="1800" dirty="0">
-                <a:solidFill>
-                  <a:schemeClr val="bg1">
-                    <a:lumMod val="65000"/>
-                  </a:schemeClr>
-                </a:solidFill>
-                <a:sym typeface="Wingdings" pitchFamily="2" charset="2"/>
-              </a:rPr>
-              <a:t>◎ </a:t>
-            </a:r>
-            <a:r>
-              <a:rPr lang="ko-KR" altLang="en-US" sz="1800" dirty="0">
-                <a:solidFill>
-                  <a:schemeClr val="bg1">
-                    <a:lumMod val="65000"/>
-                  </a:schemeClr>
-                </a:solidFill>
-                <a:sym typeface="Wingdings" pitchFamily="2" charset="2"/>
-              </a:rPr>
-              <a:t>웹 페이지 구상</a:t>
-            </a:r>
-            <a:endParaRPr lang="en-US" altLang="ko-KR" sz="1800" dirty="0">
-              <a:solidFill>
-                <a:schemeClr val="bg1">
-                  <a:lumMod val="65000"/>
-                </a:schemeClr>
-              </a:solidFill>
-              <a:sym typeface="Wingdings" pitchFamily="2" charset="2"/>
-            </a:endParaRPr>
-          </a:p>
-          <a:p>
-            <a:pPr algn="l">
-              <a:lnSpc>
-                <a:spcPct val="250000"/>
-              </a:lnSpc>
-              <a:spcAft>
-                <a:spcPct val="40000"/>
-              </a:spcAft>
-              <a:defRPr/>
-            </a:pPr>
-            <a:r>
-              <a:rPr lang="en-US" altLang="ko-KR" sz="1800" dirty="0">
-                <a:solidFill>
-                  <a:schemeClr val="bg1">
-                    <a:lumMod val="65000"/>
-                  </a:schemeClr>
-                </a:solidFill>
-                <a:sym typeface="Wingdings" pitchFamily="2" charset="2"/>
-              </a:rPr>
-              <a:t>  </a:t>
-            </a:r>
-            <a:r>
-              <a:rPr lang="en-US" altLang="ko-KR" sz="1800" dirty="0">
-                <a:sym typeface="Wingdings" pitchFamily="2" charset="2"/>
-              </a:rPr>
-              <a:t>◎ </a:t>
-            </a:r>
-            <a:r>
-              <a:rPr lang="ko-KR" altLang="en-US" sz="1800" dirty="0">
-                <a:sym typeface="Wingdings" pitchFamily="2" charset="2"/>
-              </a:rPr>
-              <a:t>역할 분담 및 계획 일정</a:t>
-            </a:r>
-            <a:endParaRPr lang="en-US" altLang="ko-KR" sz="1800" dirty="0">
-              <a:sym typeface="Wingdings" pitchFamily="2" charset="2"/>
-            </a:endParaRPr>
-          </a:p>
-        </p:txBody>
-      </p:sp>
-    </p:spTree>
-    <p:extLst>
-      <p:ext uri="{BB962C8B-B14F-4D97-AF65-F5344CB8AC3E}">
-        <p14:creationId xmlns:p14="http://schemas.microsoft.com/office/powerpoint/2010/main" val="1831524280"/>
-      </p:ext>
-    </p:extLst>
-  </p:cSld>
-  <p:clrMapOvr>
-    <a:masterClrMapping/>
-  </p:clrMapOvr>
+  <p:timing>
+    <p:tnLst>
+      <p:par>
+        <p:cTn id="1" dur="indefinite" restart="never" nodeType="tmRoot"/>
+      </p:par>
+    </p:tnLst>
+  </p:timing>
 </p:sld>
 </file>
 
